--- a/你是我的一切.pptx
+++ b/你是我的一切.pptx
@@ -6,13 +6,11 @@
   </p:sldMasterIdLst>
   <p:sldIdLst>
     <p:sldId id="256" r:id="rId2"/>
-    <p:sldId id="257" r:id="rId3"/>
-    <p:sldId id="258" r:id="rId4"/>
-    <p:sldId id="259" r:id="rId5"/>
-    <p:sldId id="260" r:id="rId6"/>
-    <p:sldId id="261" r:id="rId7"/>
+    <p:sldId id="258" r:id="rId3"/>
+    <p:sldId id="259" r:id="rId4"/>
+    <p:sldId id="261" r:id="rId5"/>
   </p:sldIdLst>
-  <p:sldSz cx="9144000" cy="6858000" type="screen4x3"/>
+  <p:sldSz cx="12192000" cy="6858000"/>
   <p:notesSz cx="6858000" cy="9144000"/>
   <p:defaultTextStyle>
     <a:defPPr>
@@ -109,6 +107,22 @@
       </a:defRPr>
     </a:lvl9pPr>
   </p:defaultTextStyle>
+  <p:extLst>
+    <p:ext uri="{EFAFB233-063F-42B5-8137-9DF3F51BA10A}">
+      <p15:sldGuideLst xmlns:p15="http://schemas.microsoft.com/office/powerpoint/2012/main">
+        <p15:guide id="1" orient="horz" pos="2160" userDrawn="1">
+          <p15:clr>
+            <a:srgbClr val="A4A3A4"/>
+          </p15:clr>
+        </p15:guide>
+        <p15:guide id="2" pos="3840" userDrawn="1">
+          <p15:clr>
+            <a:srgbClr val="A4A3A4"/>
+          </p15:clr>
+        </p15:guide>
+      </p15:sldGuideLst>
+    </p:ext>
+  </p:extLst>
 </p:presentation>
 </file>
 
@@ -141,8 +155,8 @@
         </p:nvSpPr>
         <p:spPr>
           <a:xfrm>
-            <a:off x="685800" y="2130425"/>
-            <a:ext cx="7772400" cy="1470025"/>
+            <a:off x="914400" y="2130426"/>
+            <a:ext cx="10363200" cy="1470025"/>
           </a:xfrm>
         </p:spPr>
         <p:txBody>
@@ -169,8 +183,8 @@
         </p:nvSpPr>
         <p:spPr>
           <a:xfrm>
-            <a:off x="1371600" y="3886200"/>
-            <a:ext cx="6400800" cy="1752600"/>
+            <a:off x="1828800" y="3886200"/>
+            <a:ext cx="8534400" cy="1752600"/>
           </a:xfrm>
         </p:spPr>
         <p:txBody>
@@ -294,7 +308,7 @@
             <a:fld id="{F4C0ED8C-69B4-47DE-B78F-544662AD9AC7}" type="datetimeFigureOut">
               <a:rPr lang="zh-TW" altLang="en-US" smtClean="0"/>
               <a:pPr/>
-              <a:t>2018/3/18</a:t>
+              <a:t>2020/4/10</a:t>
             </a:fld>
             <a:endParaRPr lang="zh-TW" altLang="en-US"/>
           </a:p>
@@ -461,7 +475,7 @@
             <a:fld id="{F4C0ED8C-69B4-47DE-B78F-544662AD9AC7}" type="datetimeFigureOut">
               <a:rPr lang="zh-TW" altLang="en-US" smtClean="0"/>
               <a:pPr/>
-              <a:t>2018/3/18</a:t>
+              <a:t>2020/4/10</a:t>
             </a:fld>
             <a:endParaRPr lang="zh-TW" altLang="en-US"/>
           </a:p>
@@ -547,8 +561,8 @@
         </p:nvSpPr>
         <p:spPr>
           <a:xfrm>
-            <a:off x="6629400" y="274638"/>
-            <a:ext cx="2057400" cy="5851525"/>
+            <a:off x="8839200" y="274639"/>
+            <a:ext cx="2743200" cy="5851525"/>
           </a:xfrm>
         </p:spPr>
         <p:txBody>
@@ -575,8 +589,8 @@
         </p:nvSpPr>
         <p:spPr>
           <a:xfrm>
-            <a:off x="457200" y="274638"/>
-            <a:ext cx="6019800" cy="5851525"/>
+            <a:off x="609600" y="274639"/>
+            <a:ext cx="8026400" cy="5851525"/>
           </a:xfrm>
         </p:spPr>
         <p:txBody>
@@ -638,7 +652,7 @@
             <a:fld id="{F4C0ED8C-69B4-47DE-B78F-544662AD9AC7}" type="datetimeFigureOut">
               <a:rPr lang="zh-TW" altLang="en-US" smtClean="0"/>
               <a:pPr/>
-              <a:t>2018/3/18</a:t>
+              <a:t>2020/4/10</a:t>
             </a:fld>
             <a:endParaRPr lang="zh-TW" altLang="en-US"/>
           </a:p>
@@ -805,7 +819,7 @@
             <a:fld id="{F4C0ED8C-69B4-47DE-B78F-544662AD9AC7}" type="datetimeFigureOut">
               <a:rPr lang="zh-TW" altLang="en-US" smtClean="0"/>
               <a:pPr/>
-              <a:t>2018/3/18</a:t>
+              <a:t>2020/4/10</a:t>
             </a:fld>
             <a:endParaRPr lang="zh-TW" altLang="en-US"/>
           </a:p>
@@ -891,8 +905,8 @@
         </p:nvSpPr>
         <p:spPr>
           <a:xfrm>
-            <a:off x="722313" y="4406900"/>
-            <a:ext cx="7772400" cy="1362075"/>
+            <a:off x="963084" y="4406901"/>
+            <a:ext cx="10363200" cy="1362075"/>
           </a:xfrm>
         </p:spPr>
         <p:txBody>
@@ -923,8 +937,8 @@
         </p:nvSpPr>
         <p:spPr>
           <a:xfrm>
-            <a:off x="722313" y="2906713"/>
-            <a:ext cx="7772400" cy="1500187"/>
+            <a:off x="963084" y="2906713"/>
+            <a:ext cx="10363200" cy="1500187"/>
           </a:xfrm>
         </p:spPr>
         <p:txBody>
@@ -1048,7 +1062,7 @@
             <a:fld id="{F4C0ED8C-69B4-47DE-B78F-544662AD9AC7}" type="datetimeFigureOut">
               <a:rPr lang="zh-TW" altLang="en-US" smtClean="0"/>
               <a:pPr/>
-              <a:t>2018/3/18</a:t>
+              <a:t>2020/4/10</a:t>
             </a:fld>
             <a:endParaRPr lang="zh-TW" altLang="en-US"/>
           </a:p>
@@ -1157,8 +1171,8 @@
         </p:nvSpPr>
         <p:spPr>
           <a:xfrm>
-            <a:off x="457200" y="1600200"/>
-            <a:ext cx="4038600" cy="4525963"/>
+            <a:off x="609600" y="1600201"/>
+            <a:ext cx="5384800" cy="4525963"/>
           </a:xfrm>
         </p:spPr>
         <p:txBody>
@@ -1242,8 +1256,8 @@
         </p:nvSpPr>
         <p:spPr>
           <a:xfrm>
-            <a:off x="4648200" y="1600200"/>
-            <a:ext cx="4038600" cy="4525963"/>
+            <a:off x="6197600" y="1600201"/>
+            <a:ext cx="5384800" cy="4525963"/>
           </a:xfrm>
         </p:spPr>
         <p:txBody>
@@ -1333,7 +1347,7 @@
             <a:fld id="{F4C0ED8C-69B4-47DE-B78F-544662AD9AC7}" type="datetimeFigureOut">
               <a:rPr lang="zh-TW" altLang="en-US" smtClean="0"/>
               <a:pPr/>
-              <a:t>2018/3/18</a:t>
+              <a:t>2020/4/10</a:t>
             </a:fld>
             <a:endParaRPr lang="zh-TW" altLang="en-US"/>
           </a:p>
@@ -1446,8 +1460,8 @@
         </p:nvSpPr>
         <p:spPr>
           <a:xfrm>
-            <a:off x="457200" y="1535113"/>
-            <a:ext cx="4040188" cy="639762"/>
+            <a:off x="609600" y="1535113"/>
+            <a:ext cx="5386917" cy="639762"/>
           </a:xfrm>
         </p:spPr>
         <p:txBody>
@@ -1511,8 +1525,8 @@
         </p:nvSpPr>
         <p:spPr>
           <a:xfrm>
-            <a:off x="457200" y="2174875"/>
-            <a:ext cx="4040188" cy="3951288"/>
+            <a:off x="609600" y="2174875"/>
+            <a:ext cx="5386917" cy="3951288"/>
           </a:xfrm>
         </p:spPr>
         <p:txBody>
@@ -1596,8 +1610,8 @@
         </p:nvSpPr>
         <p:spPr>
           <a:xfrm>
-            <a:off x="4645025" y="1535113"/>
-            <a:ext cx="4041775" cy="639762"/>
+            <a:off x="6193368" y="1535113"/>
+            <a:ext cx="5389033" cy="639762"/>
           </a:xfrm>
         </p:spPr>
         <p:txBody>
@@ -1661,8 +1675,8 @@
         </p:nvSpPr>
         <p:spPr>
           <a:xfrm>
-            <a:off x="4645025" y="2174875"/>
-            <a:ext cx="4041775" cy="3951288"/>
+            <a:off x="6193368" y="2174875"/>
+            <a:ext cx="5389033" cy="3951288"/>
           </a:xfrm>
         </p:spPr>
         <p:txBody>
@@ -1752,7 +1766,7 @@
             <a:fld id="{F4C0ED8C-69B4-47DE-B78F-544662AD9AC7}" type="datetimeFigureOut">
               <a:rPr lang="zh-TW" altLang="en-US" smtClean="0"/>
               <a:pPr/>
-              <a:t>2018/3/18</a:t>
+              <a:t>2020/4/10</a:t>
             </a:fld>
             <a:endParaRPr lang="zh-TW" altLang="en-US"/>
           </a:p>
@@ -1867,7 +1881,7 @@
             <a:fld id="{F4C0ED8C-69B4-47DE-B78F-544662AD9AC7}" type="datetimeFigureOut">
               <a:rPr lang="zh-TW" altLang="en-US" smtClean="0"/>
               <a:pPr/>
-              <a:t>2018/3/18</a:t>
+              <a:t>2020/4/10</a:t>
             </a:fld>
             <a:endParaRPr lang="zh-TW" altLang="en-US"/>
           </a:p>
@@ -1959,7 +1973,7 @@
             <a:fld id="{F4C0ED8C-69B4-47DE-B78F-544662AD9AC7}" type="datetimeFigureOut">
               <a:rPr lang="zh-TW" altLang="en-US" smtClean="0"/>
               <a:pPr/>
-              <a:t>2018/3/18</a:t>
+              <a:t>2020/4/10</a:t>
             </a:fld>
             <a:endParaRPr lang="zh-TW" altLang="en-US"/>
           </a:p>
@@ -2045,8 +2059,8 @@
         </p:nvSpPr>
         <p:spPr>
           <a:xfrm>
-            <a:off x="457200" y="273050"/>
-            <a:ext cx="3008313" cy="1162050"/>
+            <a:off x="609601" y="273050"/>
+            <a:ext cx="4011084" cy="1162050"/>
           </a:xfrm>
         </p:spPr>
         <p:txBody>
@@ -2077,8 +2091,8 @@
         </p:nvSpPr>
         <p:spPr>
           <a:xfrm>
-            <a:off x="3575050" y="273050"/>
-            <a:ext cx="5111750" cy="5853113"/>
+            <a:off x="4766733" y="273051"/>
+            <a:ext cx="6815667" cy="5853113"/>
           </a:xfrm>
         </p:spPr>
         <p:txBody>
@@ -2162,8 +2176,8 @@
         </p:nvSpPr>
         <p:spPr>
           <a:xfrm>
-            <a:off x="457200" y="1435100"/>
-            <a:ext cx="3008313" cy="4691063"/>
+            <a:off x="609601" y="1435101"/>
+            <a:ext cx="4011084" cy="4691063"/>
           </a:xfrm>
         </p:spPr>
         <p:txBody>
@@ -2233,7 +2247,7 @@
             <a:fld id="{F4C0ED8C-69B4-47DE-B78F-544662AD9AC7}" type="datetimeFigureOut">
               <a:rPr lang="zh-TW" altLang="en-US" smtClean="0"/>
               <a:pPr/>
-              <a:t>2018/3/18</a:t>
+              <a:t>2020/4/10</a:t>
             </a:fld>
             <a:endParaRPr lang="zh-TW" altLang="en-US"/>
           </a:p>
@@ -2319,8 +2333,8 @@
         </p:nvSpPr>
         <p:spPr>
           <a:xfrm>
-            <a:off x="1792288" y="4800600"/>
-            <a:ext cx="5486400" cy="566738"/>
+            <a:off x="2389717" y="4800600"/>
+            <a:ext cx="7315200" cy="566738"/>
           </a:xfrm>
         </p:spPr>
         <p:txBody>
@@ -2351,8 +2365,8 @@
         </p:nvSpPr>
         <p:spPr>
           <a:xfrm>
-            <a:off x="1792288" y="612775"/>
-            <a:ext cx="5486400" cy="4114800"/>
+            <a:off x="2389717" y="612775"/>
+            <a:ext cx="7315200" cy="4114800"/>
           </a:xfrm>
         </p:spPr>
         <p:txBody>
@@ -2416,8 +2430,8 @@
         </p:nvSpPr>
         <p:spPr>
           <a:xfrm>
-            <a:off x="1792288" y="5367338"/>
-            <a:ext cx="5486400" cy="804862"/>
+            <a:off x="2389717" y="5367338"/>
+            <a:ext cx="7315200" cy="804862"/>
           </a:xfrm>
         </p:spPr>
         <p:txBody>
@@ -2487,7 +2501,7 @@
             <a:fld id="{F4C0ED8C-69B4-47DE-B78F-544662AD9AC7}" type="datetimeFigureOut">
               <a:rPr lang="zh-TW" altLang="en-US" smtClean="0"/>
               <a:pPr/>
-              <a:t>2018/3/18</a:t>
+              <a:t>2020/4/10</a:t>
             </a:fld>
             <a:endParaRPr lang="zh-TW" altLang="en-US"/>
           </a:p>
@@ -2583,8 +2597,8 @@
         </p:nvSpPr>
         <p:spPr>
           <a:xfrm>
-            <a:off x="457200" y="274638"/>
-            <a:ext cx="8229600" cy="1143000"/>
+            <a:off x="609600" y="274638"/>
+            <a:ext cx="10972800" cy="1143000"/>
           </a:xfrm>
           <a:prstGeom prst="rect">
             <a:avLst/>
@@ -2616,8 +2630,8 @@
         </p:nvSpPr>
         <p:spPr>
           <a:xfrm>
-            <a:off x="457200" y="1600200"/>
-            <a:ext cx="8229600" cy="4525963"/>
+            <a:off x="609600" y="1600201"/>
+            <a:ext cx="10972800" cy="4525963"/>
           </a:xfrm>
           <a:prstGeom prst="rect">
             <a:avLst/>
@@ -2678,8 +2692,8 @@
         </p:nvSpPr>
         <p:spPr>
           <a:xfrm>
-            <a:off x="457200" y="6356350"/>
-            <a:ext cx="2133600" cy="365125"/>
+            <a:off x="609600" y="6356351"/>
+            <a:ext cx="2844800" cy="365125"/>
           </a:xfrm>
           <a:prstGeom prst="rect">
             <a:avLst/>
@@ -2702,7 +2716,7 @@
             <a:fld id="{F4C0ED8C-69B4-47DE-B78F-544662AD9AC7}" type="datetimeFigureOut">
               <a:rPr lang="zh-TW" altLang="en-US" smtClean="0"/>
               <a:pPr/>
-              <a:t>2018/3/18</a:t>
+              <a:t>2020/4/10</a:t>
             </a:fld>
             <a:endParaRPr lang="zh-TW" altLang="en-US"/>
           </a:p>
@@ -2720,8 +2734,8 @@
         </p:nvSpPr>
         <p:spPr>
           <a:xfrm>
-            <a:off x="3124200" y="6356350"/>
-            <a:ext cx="2895600" cy="365125"/>
+            <a:off x="4165600" y="6356351"/>
+            <a:ext cx="3860800" cy="365125"/>
           </a:xfrm>
           <a:prstGeom prst="rect">
             <a:avLst/>
@@ -2757,8 +2771,8 @@
         </p:nvSpPr>
         <p:spPr>
           <a:xfrm>
-            <a:off x="6553200" y="6356350"/>
-            <a:ext cx="2133600" cy="365125"/>
+            <a:off x="8737600" y="6356351"/>
+            <a:ext cx="2844800" cy="365125"/>
           </a:xfrm>
           <a:prstGeom prst="rect">
             <a:avLst/>
@@ -3091,6 +3105,16 @@
           <a:lstStyle/>
           <a:p>
             <a:r>
+              <a:rPr lang="zh-CN" altLang="en-US" b="1" dirty="0">
+                <a:solidFill>
+                  <a:srgbClr val="000066"/>
+                </a:solidFill>
+                <a:latin typeface="微軟正黑體" pitchFamily="34" charset="-120"/>
+                <a:ea typeface="微軟正黑體" pitchFamily="34" charset="-120"/>
+              </a:rPr>
+              <a:t>袮</a:t>
+            </a:r>
+            <a:r>
               <a:rPr lang="zh-TW" altLang="en-US" b="1" dirty="0" smtClean="0">
                 <a:solidFill>
                   <a:srgbClr val="000066"/>
@@ -3098,7 +3122,17 @@
                 <a:latin typeface="微軟正黑體" pitchFamily="34" charset="-120"/>
                 <a:ea typeface="微軟正黑體" pitchFamily="34" charset="-120"/>
               </a:rPr>
-              <a:t>你是我的一切</a:t>
+              <a:t>是</a:t>
+            </a:r>
+            <a:r>
+              <a:rPr lang="zh-TW" altLang="en-US" b="1" dirty="0" smtClean="0">
+                <a:solidFill>
+                  <a:srgbClr val="000066"/>
+                </a:solidFill>
+                <a:latin typeface="微軟正黑體" pitchFamily="34" charset="-120"/>
+                <a:ea typeface="微軟正黑體" pitchFamily="34" charset="-120"/>
+              </a:rPr>
+              <a:t>我的一切</a:t>
             </a:r>
             <a:endParaRPr lang="zh-TW" altLang="en-US" b="1" dirty="0">
               <a:solidFill>
@@ -3120,7 +3154,12 @@
             <p:ph idx="1"/>
           </p:nvPr>
         </p:nvSpPr>
-        <p:spPr/>
+        <p:spPr>
+          <a:xfrm>
+            <a:off x="0" y="1600201"/>
+            <a:ext cx="12192000" cy="4525963"/>
+          </a:xfrm>
+        </p:spPr>
         <p:txBody>
           <a:bodyPr>
             <a:noAutofit/>
@@ -3131,6 +3170,26 @@
               <a:buNone/>
             </a:pPr>
             <a:r>
+              <a:rPr lang="zh-CN" altLang="en-US" sz="5400" b="1" dirty="0">
+                <a:solidFill>
+                  <a:srgbClr val="000066"/>
+                </a:solidFill>
+                <a:latin typeface="微軟正黑體" pitchFamily="34" charset="-120"/>
+                <a:ea typeface="微軟正黑體" pitchFamily="34" charset="-120"/>
+              </a:rPr>
+              <a:t>袮</a:t>
+            </a:r>
+            <a:r>
+              <a:rPr lang="zh-TW" altLang="en-US" sz="5400" b="1" dirty="0" smtClean="0">
+                <a:solidFill>
+                  <a:srgbClr val="000066"/>
+                </a:solidFill>
+                <a:latin typeface="微軟正黑體" pitchFamily="34" charset="-120"/>
+                <a:ea typeface="微軟正黑體" pitchFamily="34" charset="-120"/>
+              </a:rPr>
+              <a:t>是</a:t>
+            </a:r>
+            <a:r>
               <a:rPr lang="zh-TW" altLang="en-US" sz="5400" b="1" dirty="0">
                 <a:solidFill>
                   <a:srgbClr val="000066"/>
@@ -3138,7 +3197,17 @@
                 <a:latin typeface="微軟正黑體" pitchFamily="34" charset="-120"/>
                 <a:ea typeface="微軟正黑體" pitchFamily="34" charset="-120"/>
               </a:rPr>
-              <a:t>你是我倚靠的</a:t>
+              <a:t>我倚靠的</a:t>
+            </a:r>
+            <a:r>
+              <a:rPr lang="zh-TW" altLang="en-US" sz="5400" b="1" dirty="0">
+                <a:solidFill>
+                  <a:srgbClr val="000066"/>
+                </a:solidFill>
+                <a:latin typeface="微軟正黑體" pitchFamily="34" charset="-120"/>
+                <a:ea typeface="微軟正黑體" pitchFamily="34" charset="-120"/>
+              </a:rPr>
+              <a:t>力</a:t>
             </a:r>
             <a:r>
               <a:rPr lang="zh-TW" altLang="en-US" sz="5400" b="1" dirty="0" smtClean="0">
@@ -3148,7 +3217,109 @@
                 <a:latin typeface="微軟正黑體" pitchFamily="34" charset="-120"/>
                 <a:ea typeface="微軟正黑體" pitchFamily="34" charset="-120"/>
               </a:rPr>
-              <a:t>力量</a:t>
+              <a:t>量  </a:t>
+            </a:r>
+            <a:r>
+              <a:rPr lang="zh-CN" altLang="en-US" sz="5400" b="1" dirty="0" smtClean="0">
+                <a:solidFill>
+                  <a:srgbClr val="000066"/>
+                </a:solidFill>
+                <a:latin typeface="微軟正黑體" pitchFamily="34" charset="-120"/>
+                <a:ea typeface="微軟正黑體" pitchFamily="34" charset="-120"/>
+              </a:rPr>
+              <a:t>袮</a:t>
+            </a:r>
+            <a:r>
+              <a:rPr lang="zh-TW" altLang="en-US" sz="5400" b="1" dirty="0" smtClean="0">
+                <a:solidFill>
+                  <a:srgbClr val="000066"/>
+                </a:solidFill>
+                <a:latin typeface="微軟正黑體" pitchFamily="34" charset="-120"/>
+                <a:ea typeface="微軟正黑體" pitchFamily="34" charset="-120"/>
+              </a:rPr>
+              <a:t>是</a:t>
+            </a:r>
+            <a:r>
+              <a:rPr lang="zh-TW" altLang="en-US" sz="5400" b="1" dirty="0">
+                <a:solidFill>
+                  <a:srgbClr val="000066"/>
+                </a:solidFill>
+                <a:latin typeface="微軟正黑體" pitchFamily="34" charset="-120"/>
+                <a:ea typeface="微軟正黑體" pitchFamily="34" charset="-120"/>
+              </a:rPr>
+              <a:t>我尋求的</a:t>
+            </a:r>
+            <a:r>
+              <a:rPr lang="zh-TW" altLang="en-US" sz="5400" b="1" dirty="0">
+                <a:solidFill>
+                  <a:srgbClr val="000066"/>
+                </a:solidFill>
+                <a:latin typeface="微軟正黑體" pitchFamily="34" charset="-120"/>
+                <a:ea typeface="微軟正黑體" pitchFamily="34" charset="-120"/>
+              </a:rPr>
+              <a:t>寶藏</a:t>
+            </a:r>
+            <a:endParaRPr lang="en-US" altLang="zh-TW" sz="5400" b="1" dirty="0">
+              <a:solidFill>
+                <a:srgbClr val="000066"/>
+              </a:solidFill>
+              <a:latin typeface="微軟正黑體" pitchFamily="34" charset="-120"/>
+              <a:ea typeface="微軟正黑體" pitchFamily="34" charset="-120"/>
+            </a:endParaRPr>
+          </a:p>
+          <a:p>
+            <a:pPr algn="ctr">
+              <a:buNone/>
+            </a:pPr>
+            <a:r>
+              <a:rPr lang="zh-CN" altLang="en-US" sz="5400" b="1" dirty="0">
+                <a:solidFill>
+                  <a:srgbClr val="000066"/>
+                </a:solidFill>
+                <a:latin typeface="微軟正黑體" pitchFamily="34" charset="-120"/>
+                <a:ea typeface="微軟正黑體" pitchFamily="34" charset="-120"/>
+              </a:rPr>
+              <a:t>袮</a:t>
+            </a:r>
+            <a:r>
+              <a:rPr lang="zh-TW" altLang="en-US" sz="5400" b="1" dirty="0" smtClean="0">
+                <a:solidFill>
+                  <a:srgbClr val="000066"/>
+                </a:solidFill>
+                <a:latin typeface="微軟正黑體" pitchFamily="34" charset="-120"/>
+                <a:ea typeface="微軟正黑體" pitchFamily="34" charset="-120"/>
+              </a:rPr>
+              <a:t>是</a:t>
+            </a:r>
+            <a:r>
+              <a:rPr lang="zh-TW" altLang="en-US" sz="5400" b="1" dirty="0">
+                <a:solidFill>
+                  <a:srgbClr val="000066"/>
+                </a:solidFill>
+                <a:latin typeface="微軟正黑體" pitchFamily="34" charset="-120"/>
+                <a:ea typeface="微軟正黑體" pitchFamily="34" charset="-120"/>
+              </a:rPr>
+              <a:t>我的</a:t>
+            </a:r>
+            <a:r>
+              <a:rPr lang="zh-TW" altLang="en-US" sz="5400" b="1" dirty="0">
+                <a:solidFill>
+                  <a:srgbClr val="000066"/>
+                </a:solidFill>
+                <a:latin typeface="微軟正黑體" pitchFamily="34" charset="-120"/>
+                <a:ea typeface="微軟正黑體" pitchFamily="34" charset="-120"/>
+              </a:rPr>
+              <a:t>一</a:t>
+            </a:r>
+            <a:r>
+              <a:rPr lang="zh-TW" altLang="en-US" sz="5400" b="1" dirty="0" smtClean="0">
+                <a:solidFill>
+                  <a:srgbClr val="000066"/>
+                </a:solidFill>
+                <a:latin typeface="微軟正黑體" pitchFamily="34" charset="-120"/>
+                <a:ea typeface="微軟正黑體" pitchFamily="34" charset="-120"/>
+              </a:rPr>
+              <a:t>切</a:t>
             </a:r>
             <a:endParaRPr lang="en-US" altLang="zh-TW" sz="5400" b="1" dirty="0" smtClean="0">
               <a:solidFill>
@@ -3163,6 +3334,16 @@
               <a:buNone/>
             </a:pPr>
             <a:r>
+              <a:rPr lang="zh-CN" altLang="en-US" sz="5400" b="1" dirty="0">
+                <a:solidFill>
+                  <a:srgbClr val="000066"/>
+                </a:solidFill>
+                <a:latin typeface="微軟正黑體" pitchFamily="34" charset="-120"/>
+                <a:ea typeface="微軟正黑體" pitchFamily="34" charset="-120"/>
+              </a:rPr>
+              <a:t>袮</a:t>
+            </a:r>
+            <a:r>
               <a:rPr lang="zh-TW" altLang="en-US" sz="5400" b="1" dirty="0" smtClean="0">
                 <a:solidFill>
                   <a:srgbClr val="000066"/>
@@ -3170,7 +3351,7 @@
                 <a:latin typeface="微軟正黑體" pitchFamily="34" charset="-120"/>
                 <a:ea typeface="微軟正黑體" pitchFamily="34" charset="-120"/>
               </a:rPr>
-              <a:t>你</a:t>
+              <a:t>好</a:t>
             </a:r>
             <a:r>
               <a:rPr lang="zh-TW" altLang="en-US" sz="5400" b="1" dirty="0">
@@ -3180,7 +3361,17 @@
                 <a:latin typeface="微軟正黑體" pitchFamily="34" charset="-120"/>
                 <a:ea typeface="微軟正黑體" pitchFamily="34" charset="-120"/>
               </a:rPr>
-              <a:t>是我尋求的</a:t>
+              <a:t>比珍貴的</a:t>
+            </a:r>
+            <a:r>
+              <a:rPr lang="zh-CN" altLang="en-US" sz="5400" b="1" dirty="0">
+                <a:solidFill>
+                  <a:srgbClr val="000066"/>
+                </a:solidFill>
+                <a:latin typeface="微軟正黑體" pitchFamily="34" charset="-120"/>
+                <a:ea typeface="微軟正黑體" pitchFamily="34" charset="-120"/>
+              </a:rPr>
+              <a:t>珠</a:t>
             </a:r>
             <a:r>
               <a:rPr lang="zh-TW" altLang="en-US" sz="5400" b="1" dirty="0" smtClean="0">
@@ -3190,9 +3381,79 @@
                 <a:latin typeface="微軟正黑體" pitchFamily="34" charset="-120"/>
                 <a:ea typeface="微軟正黑體" pitchFamily="34" charset="-120"/>
               </a:rPr>
-              <a:t>寶藏</a:t>
-            </a:r>
-            <a:endParaRPr lang="en-US" altLang="zh-TW" sz="5400" b="1" dirty="0" smtClean="0">
+              <a:t>寶</a:t>
+            </a:r>
+            <a:r>
+              <a:rPr lang="en-US" altLang="zh-TW" sz="5400" b="1" dirty="0" smtClean="0">
+                <a:solidFill>
+                  <a:srgbClr val="000066"/>
+                </a:solidFill>
+                <a:latin typeface="微軟正黑體" pitchFamily="34" charset="-120"/>
+                <a:ea typeface="微軟正黑體" pitchFamily="34" charset="-120"/>
+              </a:rPr>
+              <a:t>  </a:t>
+            </a:r>
+            <a:r>
+              <a:rPr lang="zh-TW" altLang="en-US" sz="5400" b="1" dirty="0" smtClean="0">
+                <a:solidFill>
+                  <a:srgbClr val="000066"/>
+                </a:solidFill>
+                <a:latin typeface="微軟正黑體" pitchFamily="34" charset="-120"/>
+                <a:ea typeface="微軟正黑體" pitchFamily="34" charset="-120"/>
+              </a:rPr>
+              <a:t>我</a:t>
+            </a:r>
+            <a:r>
+              <a:rPr lang="zh-TW" altLang="en-US" sz="5400" b="1" dirty="0">
+                <a:solidFill>
+                  <a:srgbClr val="000066"/>
+                </a:solidFill>
+                <a:latin typeface="微軟正黑體" pitchFamily="34" charset="-120"/>
+                <a:ea typeface="微軟正黑體" pitchFamily="34" charset="-120"/>
+              </a:rPr>
+              <a:t>怎能放</a:t>
+            </a:r>
+            <a:r>
+              <a:rPr lang="zh-TW" altLang="en-US" sz="5400" b="1" dirty="0" smtClean="0">
+                <a:solidFill>
+                  <a:srgbClr val="000066"/>
+                </a:solidFill>
+                <a:latin typeface="微軟正黑體" pitchFamily="34" charset="-120"/>
+                <a:ea typeface="微軟正黑體" pitchFamily="34" charset="-120"/>
+              </a:rPr>
+              <a:t>棄</a:t>
+            </a:r>
+            <a:r>
+              <a:rPr lang="zh-CN" altLang="en-US" sz="5400" b="1" dirty="0">
+                <a:solidFill>
+                  <a:srgbClr val="000066"/>
+                </a:solidFill>
+                <a:latin typeface="微軟正黑體" pitchFamily="34" charset="-120"/>
+                <a:ea typeface="微軟正黑體" pitchFamily="34" charset="-120"/>
+              </a:rPr>
+              <a:t>袮</a:t>
+            </a:r>
+            <a:r>
+              <a:rPr lang="zh-TW" altLang="en-US" sz="5400" b="1" dirty="0" smtClean="0">
+                <a:solidFill>
+                  <a:srgbClr val="000066"/>
+                </a:solidFill>
+                <a:latin typeface="微軟正黑體" pitchFamily="34" charset="-120"/>
+                <a:ea typeface="微軟正黑體" pitchFamily="34" charset="-120"/>
+              </a:rPr>
+              <a:t>不</a:t>
+            </a:r>
+            <a:r>
+              <a:rPr lang="zh-TW" altLang="en-US" sz="5400" b="1" dirty="0">
+                <a:solidFill>
+                  <a:srgbClr val="000066"/>
+                </a:solidFill>
+                <a:latin typeface="微軟正黑體" pitchFamily="34" charset="-120"/>
+                <a:ea typeface="微軟正黑體" pitchFamily="34" charset="-120"/>
+              </a:rPr>
+              <a:t>要</a:t>
+            </a:r>
+            <a:endParaRPr lang="en-US" altLang="zh-TW" sz="5400" b="1" dirty="0">
               <a:solidFill>
                 <a:srgbClr val="000066"/>
               </a:solidFill>
@@ -3205,6 +3466,16 @@
               <a:buNone/>
             </a:pPr>
             <a:r>
+              <a:rPr lang="zh-CN" altLang="en-US" sz="5400" b="1" dirty="0">
+                <a:solidFill>
+                  <a:srgbClr val="000066"/>
+                </a:solidFill>
+                <a:latin typeface="微軟正黑體" pitchFamily="34" charset="-120"/>
+                <a:ea typeface="微軟正黑體" pitchFamily="34" charset="-120"/>
+              </a:rPr>
+              <a:t>袮</a:t>
+            </a:r>
+            <a:r>
               <a:rPr lang="zh-TW" altLang="en-US" sz="5400" b="1" dirty="0" smtClean="0">
                 <a:solidFill>
                   <a:srgbClr val="000066"/>
@@ -3212,7 +3483,7 @@
                 <a:latin typeface="微軟正黑體" pitchFamily="34" charset="-120"/>
                 <a:ea typeface="微軟正黑體" pitchFamily="34" charset="-120"/>
               </a:rPr>
-              <a:t>你</a:t>
+              <a:t>是</a:t>
             </a:r>
             <a:r>
               <a:rPr lang="zh-TW" altLang="en-US" sz="5400" b="1" dirty="0">
@@ -3222,18 +3493,13 @@
                 <a:latin typeface="微軟正黑體" pitchFamily="34" charset="-120"/>
                 <a:ea typeface="微軟正黑體" pitchFamily="34" charset="-120"/>
               </a:rPr>
-              <a:t>是我的</a:t>
-            </a:r>
-            <a:r>
-              <a:rPr lang="zh-TW" altLang="en-US" sz="5400" b="1" dirty="0" smtClean="0">
-                <a:solidFill>
-                  <a:srgbClr val="000066"/>
-                </a:solidFill>
-                <a:latin typeface="微軟正黑體" pitchFamily="34" charset="-120"/>
-                <a:ea typeface="微軟正黑體" pitchFamily="34" charset="-120"/>
-              </a:rPr>
-              <a:t>一切</a:t>
-            </a:r>
+              <a:t>我的一切</a:t>
+            </a:r>
+          </a:p>
+          <a:p>
+            <a:pPr algn="ctr">
+              <a:buNone/>
+            </a:pPr>
             <a:endParaRPr lang="en-US" altLang="zh-TW" sz="5400" b="1" dirty="0">
               <a:solidFill>
                 <a:srgbClr val="000066"/>
@@ -3294,6 +3560,16 @@
           <a:lstStyle/>
           <a:p>
             <a:r>
+              <a:rPr lang="zh-CN" altLang="en-US" b="1" dirty="0">
+                <a:solidFill>
+                  <a:srgbClr val="000066"/>
+                </a:solidFill>
+                <a:latin typeface="微軟正黑體" pitchFamily="34" charset="-120"/>
+                <a:ea typeface="微軟正黑體" pitchFamily="34" charset="-120"/>
+              </a:rPr>
+              <a:t>袮</a:t>
+            </a:r>
+            <a:r>
               <a:rPr lang="zh-TW" altLang="en-US" b="1" dirty="0" smtClean="0">
                 <a:solidFill>
                   <a:srgbClr val="000066"/>
@@ -3301,7 +3577,17 @@
                 <a:latin typeface="微軟正黑體" pitchFamily="34" charset="-120"/>
                 <a:ea typeface="微軟正黑體" pitchFamily="34" charset="-120"/>
               </a:rPr>
-              <a:t>你是我的一切</a:t>
+              <a:t>是</a:t>
+            </a:r>
+            <a:r>
+              <a:rPr lang="zh-TW" altLang="en-US" b="1" dirty="0" smtClean="0">
+                <a:solidFill>
+                  <a:srgbClr val="000066"/>
+                </a:solidFill>
+                <a:latin typeface="微軟正黑體" pitchFamily="34" charset="-120"/>
+                <a:ea typeface="微軟正黑體" pitchFamily="34" charset="-120"/>
+              </a:rPr>
+              <a:t>我的一切</a:t>
             </a:r>
             <a:endParaRPr lang="zh-TW" altLang="en-US" b="1" dirty="0">
               <a:solidFill>
@@ -3334,36 +3620,16 @@
               <a:buNone/>
             </a:pPr>
             <a:r>
-              <a:rPr lang="zh-TW" altLang="en-US" sz="5400" b="1" dirty="0" smtClean="0">
-                <a:solidFill>
-                  <a:srgbClr val="000066"/>
-                </a:solidFill>
-                <a:latin typeface="微軟正黑體" pitchFamily="34" charset="-120"/>
-                <a:ea typeface="微軟正黑體" pitchFamily="34" charset="-120"/>
-              </a:rPr>
-              <a:t>你好比珍貴的</a:t>
-            </a:r>
-            <a:r>
-              <a:rPr lang="zh-CN" altLang="en-US" sz="5400" b="1" dirty="0" smtClean="0">
-                <a:solidFill>
-                  <a:srgbClr val="000066"/>
-                </a:solidFill>
-                <a:latin typeface="微軟正黑體" pitchFamily="34" charset="-120"/>
-                <a:ea typeface="微軟正黑體" pitchFamily="34" charset="-120"/>
-              </a:rPr>
-              <a:t>珠</a:t>
-            </a:r>
-            <a:r>
-              <a:rPr lang="zh-TW" altLang="en-US" sz="5400" b="1" dirty="0" smtClean="0">
-                <a:solidFill>
-                  <a:srgbClr val="000066"/>
-                </a:solidFill>
-                <a:latin typeface="微軟正黑體" pitchFamily="34" charset="-120"/>
-                <a:ea typeface="微軟正黑體" pitchFamily="34" charset="-120"/>
-              </a:rPr>
-              <a:t>寶</a:t>
-            </a:r>
-            <a:endParaRPr lang="en-US" altLang="zh-TW" sz="5400" b="1" dirty="0" smtClean="0">
+              <a:rPr lang="zh-TW" altLang="en-US" sz="5400" b="1" dirty="0">
+                <a:solidFill>
+                  <a:srgbClr val="000066"/>
+                </a:solidFill>
+                <a:latin typeface="微軟正黑體" pitchFamily="34" charset="-120"/>
+                <a:ea typeface="微軟正黑體" pitchFamily="34" charset="-120"/>
+              </a:rPr>
+              <a:t>耶穌  神羔羊</a:t>
+            </a:r>
+            <a:endParaRPr lang="en-US" altLang="zh-TW" sz="5400" b="1" dirty="0">
               <a:solidFill>
                 <a:srgbClr val="000066"/>
               </a:solidFill>
@@ -3376,16 +3642,36 @@
               <a:buNone/>
             </a:pPr>
             <a:r>
-              <a:rPr lang="zh-TW" altLang="en-US" sz="5400" b="1" dirty="0" smtClean="0">
-                <a:solidFill>
-                  <a:srgbClr val="000066"/>
-                </a:solidFill>
-                <a:latin typeface="微軟正黑體" pitchFamily="34" charset="-120"/>
-                <a:ea typeface="微軟正黑體" pitchFamily="34" charset="-120"/>
-              </a:rPr>
-              <a:t>我怎能放棄你不要</a:t>
-            </a:r>
-            <a:endParaRPr lang="en-US" altLang="zh-TW" sz="5400" b="1" dirty="0" smtClean="0">
+              <a:rPr lang="zh-TW" altLang="en-US" sz="5400" b="1" dirty="0">
+                <a:solidFill>
+                  <a:srgbClr val="000066"/>
+                </a:solidFill>
+                <a:latin typeface="微軟正黑體" pitchFamily="34" charset="-120"/>
+                <a:ea typeface="微軟正黑體" pitchFamily="34" charset="-120"/>
+              </a:rPr>
+              <a:t>配</a:t>
+            </a:r>
+            <a:r>
+              <a:rPr lang="zh-TW" altLang="en-US" sz="5400" b="1" dirty="0">
+                <a:solidFill>
+                  <a:srgbClr val="000066"/>
+                </a:solidFill>
+                <a:latin typeface="微軟正黑體" pitchFamily="34" charset="-120"/>
+                <a:ea typeface="微軟正黑體" pitchFamily="34" charset="-120"/>
+              </a:rPr>
+              <a:t>得大</a:t>
+            </a:r>
+            <a:r>
+              <a:rPr lang="zh-TW" altLang="en-US" sz="5400" b="1" dirty="0">
+                <a:solidFill>
+                  <a:srgbClr val="000066"/>
+                </a:solidFill>
+                <a:latin typeface="微軟正黑體" pitchFamily="34" charset="-120"/>
+                <a:ea typeface="微軟正黑體" pitchFamily="34" charset="-120"/>
+              </a:rPr>
+              <a:t>讚美</a:t>
+            </a:r>
+            <a:endParaRPr lang="en-US" altLang="zh-TW" sz="5400" b="1" dirty="0">
               <a:solidFill>
                 <a:srgbClr val="000066"/>
               </a:solidFill>
@@ -3398,22 +3684,47 @@
               <a:buNone/>
             </a:pPr>
             <a:r>
-              <a:rPr lang="zh-TW" altLang="en-US" sz="5400" b="1" dirty="0" smtClean="0">
-                <a:solidFill>
-                  <a:srgbClr val="000066"/>
-                </a:solidFill>
-                <a:latin typeface="微軟正黑體" pitchFamily="34" charset="-120"/>
-                <a:ea typeface="微軟正黑體" pitchFamily="34" charset="-120"/>
-              </a:rPr>
-              <a:t>你是我的一切</a:t>
-            </a:r>
-            <a:endParaRPr lang="zh-TW" altLang="en-US" sz="5400" b="1" dirty="0">
+              <a:rPr lang="zh-TW" altLang="en-US" sz="5400" b="1" dirty="0">
+                <a:solidFill>
+                  <a:srgbClr val="000066"/>
+                </a:solidFill>
+                <a:latin typeface="微軟正黑體" pitchFamily="34" charset="-120"/>
+                <a:ea typeface="微軟正黑體" pitchFamily="34" charset="-120"/>
+              </a:rPr>
+              <a:t>耶穌  神羔羊</a:t>
+            </a:r>
+            <a:endParaRPr lang="en-US" altLang="zh-TW" sz="5400" b="1" dirty="0">
               <a:solidFill>
                 <a:srgbClr val="000066"/>
               </a:solidFill>
               <a:latin typeface="微軟正黑體" pitchFamily="34" charset="-120"/>
               <a:ea typeface="微軟正黑體" pitchFamily="34" charset="-120"/>
             </a:endParaRPr>
+          </a:p>
+          <a:p>
+            <a:pPr algn="ctr">
+              <a:buNone/>
+            </a:pPr>
+            <a:r>
+              <a:rPr lang="zh-TW" altLang="en-US" sz="5400" b="1" dirty="0">
+                <a:solidFill>
+                  <a:srgbClr val="000066"/>
+                </a:solidFill>
+                <a:latin typeface="微軟正黑體" pitchFamily="34" charset="-120"/>
+                <a:ea typeface="微軟正黑體" pitchFamily="34" charset="-120"/>
+              </a:rPr>
+              <a:t>配</a:t>
+            </a:r>
+            <a:r>
+              <a:rPr lang="zh-TW" altLang="en-US" sz="5400" b="1" dirty="0">
+                <a:solidFill>
+                  <a:srgbClr val="000066"/>
+                </a:solidFill>
+                <a:latin typeface="微軟正黑體" pitchFamily="34" charset="-120"/>
+                <a:ea typeface="微軟正黑體" pitchFamily="34" charset="-120"/>
+              </a:rPr>
+              <a:t>得大讚美</a:t>
+            </a:r>
           </a:p>
         </p:txBody>
       </p:sp>
@@ -3467,6 +3778,16 @@
           <a:lstStyle/>
           <a:p>
             <a:r>
+              <a:rPr lang="zh-CN" altLang="en-US" b="1" dirty="0">
+                <a:solidFill>
+                  <a:srgbClr val="000066"/>
+                </a:solidFill>
+                <a:latin typeface="微軟正黑體" pitchFamily="34" charset="-120"/>
+                <a:ea typeface="微軟正黑體" pitchFamily="34" charset="-120"/>
+              </a:rPr>
+              <a:t>袮</a:t>
+            </a:r>
+            <a:r>
               <a:rPr lang="zh-TW" altLang="en-US" b="1" dirty="0" smtClean="0">
                 <a:solidFill>
                   <a:srgbClr val="000066"/>
@@ -3474,7 +3795,17 @@
                 <a:latin typeface="微軟正黑體" pitchFamily="34" charset="-120"/>
                 <a:ea typeface="微軟正黑體" pitchFamily="34" charset="-120"/>
               </a:rPr>
-              <a:t>你是我的一切</a:t>
+              <a:t>是</a:t>
+            </a:r>
+            <a:r>
+              <a:rPr lang="zh-TW" altLang="en-US" b="1" dirty="0" smtClean="0">
+                <a:solidFill>
+                  <a:srgbClr val="000066"/>
+                </a:solidFill>
+                <a:latin typeface="微軟正黑體" pitchFamily="34" charset="-120"/>
+                <a:ea typeface="微軟正黑體" pitchFamily="34" charset="-120"/>
+              </a:rPr>
+              <a:t>我的一切</a:t>
             </a:r>
             <a:endParaRPr lang="zh-TW" altLang="en-US" b="1" dirty="0">
               <a:solidFill>
@@ -3496,7 +3827,12 @@
             <p:ph idx="1"/>
           </p:nvPr>
         </p:nvSpPr>
-        <p:spPr/>
+        <p:spPr>
+          <a:xfrm>
+            <a:off x="0" y="1600201"/>
+            <a:ext cx="12192000" cy="4525963"/>
+          </a:xfrm>
+        </p:spPr>
         <p:txBody>
           <a:bodyPr>
             <a:noAutofit/>
@@ -3507,6 +3843,26 @@
               <a:buNone/>
             </a:pPr>
             <a:r>
+              <a:rPr lang="zh-TW" altLang="en-US" sz="5400" b="1" dirty="0">
+                <a:solidFill>
+                  <a:srgbClr val="000066"/>
+                </a:solidFill>
+                <a:latin typeface="微軟正黑體" pitchFamily="34" charset="-120"/>
+                <a:ea typeface="微軟正黑體" pitchFamily="34" charset="-120"/>
+              </a:rPr>
+              <a:t>擔當我罪債和</a:t>
+            </a:r>
+            <a:r>
+              <a:rPr lang="zh-TW" altLang="en-US" sz="5400" b="1" dirty="0">
+                <a:solidFill>
+                  <a:srgbClr val="000066"/>
+                </a:solidFill>
+                <a:latin typeface="微軟正黑體" pitchFamily="34" charset="-120"/>
+                <a:ea typeface="微軟正黑體" pitchFamily="34" charset="-120"/>
+              </a:rPr>
+              <a:t>羞</a:t>
+            </a:r>
+            <a:r>
               <a:rPr lang="zh-TW" altLang="en-US" sz="5400" b="1" dirty="0" smtClean="0">
                 <a:solidFill>
                   <a:srgbClr val="000066"/>
@@ -3514,7 +3870,99 @@
                 <a:latin typeface="微軟正黑體" pitchFamily="34" charset="-120"/>
                 <a:ea typeface="微軟正黑體" pitchFamily="34" charset="-120"/>
               </a:rPr>
-              <a:t>耶穌  神羔羊</a:t>
+              <a:t>辱</a:t>
+            </a:r>
+            <a:r>
+              <a:rPr lang="en-US" altLang="zh-TW" sz="5400" b="1" dirty="0" smtClean="0">
+                <a:solidFill>
+                  <a:srgbClr val="000066"/>
+                </a:solidFill>
+                <a:latin typeface="微軟正黑體" pitchFamily="34" charset="-120"/>
+                <a:ea typeface="微軟正黑體" pitchFamily="34" charset="-120"/>
+              </a:rPr>
+              <a:t>  </a:t>
+            </a:r>
+            <a:r>
+              <a:rPr lang="zh-TW" altLang="en-US" sz="5400" b="1" dirty="0" smtClean="0">
+                <a:solidFill>
+                  <a:srgbClr val="000066"/>
+                </a:solidFill>
+                <a:latin typeface="微軟正黑體" pitchFamily="34" charset="-120"/>
+                <a:ea typeface="微軟正黑體" pitchFamily="34" charset="-120"/>
+              </a:rPr>
+              <a:t>死</a:t>
+            </a:r>
+            <a:r>
+              <a:rPr lang="zh-TW" altLang="en-US" sz="5400" b="1" dirty="0">
+                <a:solidFill>
+                  <a:srgbClr val="000066"/>
+                </a:solidFill>
+                <a:latin typeface="微軟正黑體" pitchFamily="34" charset="-120"/>
+                <a:ea typeface="微軟正黑體" pitchFamily="34" charset="-120"/>
+              </a:rPr>
+              <a:t>裡復活我蒙救</a:t>
+            </a:r>
+            <a:r>
+              <a:rPr lang="zh-TW" altLang="en-US" sz="5400" b="1" dirty="0">
+                <a:solidFill>
+                  <a:srgbClr val="000066"/>
+                </a:solidFill>
+                <a:latin typeface="微軟正黑體" pitchFamily="34" charset="-120"/>
+                <a:ea typeface="微軟正黑體" pitchFamily="34" charset="-120"/>
+              </a:rPr>
+              <a:t>贖</a:t>
+            </a:r>
+            <a:endParaRPr lang="en-US" altLang="zh-TW" sz="5400" b="1" dirty="0">
+              <a:solidFill>
+                <a:srgbClr val="000066"/>
+              </a:solidFill>
+              <a:latin typeface="微軟正黑體" pitchFamily="34" charset="-120"/>
+              <a:ea typeface="微軟正黑體" pitchFamily="34" charset="-120"/>
+            </a:endParaRPr>
+          </a:p>
+          <a:p>
+            <a:pPr algn="ctr">
+              <a:buNone/>
+            </a:pPr>
+            <a:r>
+              <a:rPr lang="zh-CN" altLang="en-US" sz="5400" b="1" dirty="0">
+                <a:solidFill>
+                  <a:srgbClr val="000066"/>
+                </a:solidFill>
+                <a:latin typeface="微軟正黑體" pitchFamily="34" charset="-120"/>
+                <a:ea typeface="微軟正黑體" pitchFamily="34" charset="-120"/>
+              </a:rPr>
+              <a:t>袮</a:t>
+            </a:r>
+            <a:r>
+              <a:rPr lang="zh-TW" altLang="en-US" sz="5400" b="1" dirty="0" smtClean="0">
+                <a:solidFill>
+                  <a:srgbClr val="000066"/>
+                </a:solidFill>
+                <a:latin typeface="微軟正黑體" pitchFamily="34" charset="-120"/>
+                <a:ea typeface="微軟正黑體" pitchFamily="34" charset="-120"/>
+              </a:rPr>
+              <a:t>是</a:t>
+            </a:r>
+            <a:r>
+              <a:rPr lang="zh-TW" altLang="en-US" sz="5400" b="1" dirty="0">
+                <a:solidFill>
+                  <a:srgbClr val="000066"/>
+                </a:solidFill>
+                <a:latin typeface="微軟正黑體" pitchFamily="34" charset="-120"/>
+                <a:ea typeface="微軟正黑體" pitchFamily="34" charset="-120"/>
+              </a:rPr>
+              <a:t>我的一</a:t>
+            </a:r>
+            <a:r>
+              <a:rPr lang="zh-TW" altLang="en-US" sz="5400" b="1" dirty="0" smtClean="0">
+                <a:solidFill>
+                  <a:srgbClr val="000066"/>
+                </a:solidFill>
+                <a:latin typeface="微軟正黑體" pitchFamily="34" charset="-120"/>
+                <a:ea typeface="微軟正黑體" pitchFamily="34" charset="-120"/>
+              </a:rPr>
+              <a:t>切</a:t>
             </a:r>
             <a:endParaRPr lang="en-US" altLang="zh-TW" sz="5400" b="1" dirty="0" smtClean="0">
               <a:solidFill>
@@ -3529,6 +3977,16 @@
               <a:buNone/>
             </a:pPr>
             <a:r>
+              <a:rPr lang="zh-TW" altLang="en-US" sz="5400" b="1" dirty="0">
+                <a:solidFill>
+                  <a:srgbClr val="000066"/>
+                </a:solidFill>
+                <a:latin typeface="微軟正黑體" pitchFamily="34" charset="-120"/>
+                <a:ea typeface="微軟正黑體" pitchFamily="34" charset="-120"/>
+              </a:rPr>
+              <a:t>當我跌</a:t>
+            </a:r>
+            <a:r>
               <a:rPr lang="zh-TW" altLang="en-US" sz="5400" b="1" dirty="0" smtClean="0">
                 <a:solidFill>
                   <a:srgbClr val="000066"/>
@@ -3536,7 +3994,27 @@
                 <a:latin typeface="微軟正黑體" pitchFamily="34" charset="-120"/>
                 <a:ea typeface="微軟正黑體" pitchFamily="34" charset="-120"/>
               </a:rPr>
-              <a:t>配</a:t>
+              <a:t>倒</a:t>
+            </a:r>
+            <a:r>
+              <a:rPr lang="zh-CN" altLang="en-US" sz="5400" b="1" dirty="0">
+                <a:solidFill>
+                  <a:srgbClr val="000066"/>
+                </a:solidFill>
+                <a:latin typeface="微軟正黑體" pitchFamily="34" charset="-120"/>
+                <a:ea typeface="微軟正黑體" pitchFamily="34" charset="-120"/>
+              </a:rPr>
+              <a:t>袮</a:t>
+            </a:r>
+            <a:r>
+              <a:rPr lang="zh-TW" altLang="en-US" sz="5400" b="1" dirty="0" smtClean="0">
+                <a:solidFill>
+                  <a:srgbClr val="000066"/>
+                </a:solidFill>
+                <a:latin typeface="微軟正黑體" pitchFamily="34" charset="-120"/>
+                <a:ea typeface="微軟正黑體" pitchFamily="34" charset="-120"/>
+              </a:rPr>
+              <a:t>扶</a:t>
             </a:r>
             <a:r>
               <a:rPr lang="zh-TW" altLang="en-US" sz="5400" b="1" dirty="0">
@@ -3546,7 +4024,7 @@
                 <a:latin typeface="微軟正黑體" pitchFamily="34" charset="-120"/>
                 <a:ea typeface="微軟正黑體" pitchFamily="34" charset="-120"/>
               </a:rPr>
-              <a:t>得大</a:t>
+              <a:t>持</a:t>
             </a:r>
             <a:r>
               <a:rPr lang="zh-TW" altLang="en-US" sz="5400" b="1" dirty="0" smtClean="0">
@@ -3556,9 +4034,79 @@
                 <a:latin typeface="微軟正黑體" pitchFamily="34" charset="-120"/>
                 <a:ea typeface="微軟正黑體" pitchFamily="34" charset="-120"/>
               </a:rPr>
-              <a:t>讚美</a:t>
-            </a:r>
-            <a:endParaRPr lang="en-US" altLang="zh-TW" sz="5400" b="1" dirty="0" smtClean="0">
+              <a:t>我</a:t>
+            </a:r>
+            <a:r>
+              <a:rPr lang="en-US" altLang="zh-TW" sz="5400" b="1" dirty="0" smtClean="0">
+                <a:solidFill>
+                  <a:srgbClr val="000066"/>
+                </a:solidFill>
+                <a:latin typeface="微軟正黑體" pitchFamily="34" charset="-120"/>
+                <a:ea typeface="微軟正黑體" pitchFamily="34" charset="-120"/>
+              </a:rPr>
+              <a:t>  </a:t>
+            </a:r>
+            <a:r>
+              <a:rPr lang="zh-TW" altLang="en-US" sz="5400" b="1" dirty="0" smtClean="0">
+                <a:solidFill>
+                  <a:srgbClr val="000066"/>
+                </a:solidFill>
+                <a:latin typeface="微軟正黑體" pitchFamily="34" charset="-120"/>
+                <a:ea typeface="微軟正黑體" pitchFamily="34" charset="-120"/>
+              </a:rPr>
+              <a:t>當</a:t>
+            </a:r>
+            <a:r>
+              <a:rPr lang="zh-TW" altLang="en-US" sz="5400" b="1" dirty="0">
+                <a:solidFill>
+                  <a:srgbClr val="000066"/>
+                </a:solidFill>
+                <a:latin typeface="微軟正黑體" pitchFamily="34" charset="-120"/>
+                <a:ea typeface="微軟正黑體" pitchFamily="34" charset="-120"/>
+              </a:rPr>
+              <a:t>我乾</a:t>
+            </a:r>
+            <a:r>
+              <a:rPr lang="zh-TW" altLang="en-US" sz="5400" b="1" dirty="0" smtClean="0">
+                <a:solidFill>
+                  <a:srgbClr val="000066"/>
+                </a:solidFill>
+                <a:latin typeface="微軟正黑體" pitchFamily="34" charset="-120"/>
+                <a:ea typeface="微軟正黑體" pitchFamily="34" charset="-120"/>
+              </a:rPr>
+              <a:t>渴</a:t>
+            </a:r>
+            <a:r>
+              <a:rPr lang="zh-CN" altLang="en-US" sz="5400" b="1" dirty="0">
+                <a:solidFill>
+                  <a:srgbClr val="000066"/>
+                </a:solidFill>
+                <a:latin typeface="微軟正黑體" pitchFamily="34" charset="-120"/>
+                <a:ea typeface="微軟正黑體" pitchFamily="34" charset="-120"/>
+              </a:rPr>
+              <a:t>袮</a:t>
+            </a:r>
+            <a:r>
+              <a:rPr lang="zh-TW" altLang="en-US" sz="5400" b="1" dirty="0" smtClean="0">
+                <a:solidFill>
+                  <a:srgbClr val="000066"/>
+                </a:solidFill>
+                <a:latin typeface="微軟正黑體" pitchFamily="34" charset="-120"/>
+                <a:ea typeface="微軟正黑體" pitchFamily="34" charset="-120"/>
+              </a:rPr>
+              <a:t>充</a:t>
+            </a:r>
+            <a:r>
+              <a:rPr lang="zh-TW" altLang="en-US" sz="5400" b="1" dirty="0">
+                <a:solidFill>
+                  <a:srgbClr val="000066"/>
+                </a:solidFill>
+                <a:latin typeface="微軟正黑體" pitchFamily="34" charset="-120"/>
+                <a:ea typeface="微軟正黑體" pitchFamily="34" charset="-120"/>
+              </a:rPr>
+              <a:t>滿我</a:t>
+            </a:r>
+            <a:endParaRPr lang="en-US" altLang="zh-TW" sz="5400" b="1" dirty="0">
               <a:solidFill>
                 <a:srgbClr val="000066"/>
               </a:solidFill>
@@ -3571,6 +4119,16 @@
               <a:buNone/>
             </a:pPr>
             <a:r>
+              <a:rPr lang="zh-CN" altLang="en-US" sz="5400" b="1" dirty="0">
+                <a:solidFill>
+                  <a:srgbClr val="000066"/>
+                </a:solidFill>
+                <a:latin typeface="微軟正黑體" pitchFamily="34" charset="-120"/>
+                <a:ea typeface="微軟正黑體" pitchFamily="34" charset="-120"/>
+              </a:rPr>
+              <a:t>袮</a:t>
+            </a:r>
+            <a:r>
               <a:rPr lang="zh-TW" altLang="en-US" sz="5400" b="1" dirty="0" smtClean="0">
                 <a:solidFill>
                   <a:srgbClr val="000066"/>
@@ -3578,40 +4136,35 @@
                 <a:latin typeface="微軟正黑體" pitchFamily="34" charset="-120"/>
                 <a:ea typeface="微軟正黑體" pitchFamily="34" charset="-120"/>
               </a:rPr>
-              <a:t>耶穌  神羔羊</a:t>
-            </a:r>
-            <a:endParaRPr lang="en-US" altLang="zh-TW" sz="5400" b="1" dirty="0" smtClean="0">
+              <a:t>是</a:t>
+            </a:r>
+            <a:r>
+              <a:rPr lang="zh-TW" altLang="en-US" sz="5400" b="1" dirty="0">
+                <a:solidFill>
+                  <a:srgbClr val="000066"/>
+                </a:solidFill>
+                <a:latin typeface="微軟正黑體" pitchFamily="34" charset="-120"/>
+                <a:ea typeface="微軟正黑體" pitchFamily="34" charset="-120"/>
+              </a:rPr>
+              <a:t>我的一</a:t>
+            </a:r>
+            <a:r>
+              <a:rPr lang="zh-TW" altLang="en-US" sz="5400" b="1" dirty="0" smtClean="0">
+                <a:solidFill>
+                  <a:srgbClr val="000066"/>
+                </a:solidFill>
+                <a:latin typeface="微軟正黑體" pitchFamily="34" charset="-120"/>
+                <a:ea typeface="微軟正黑體" pitchFamily="34" charset="-120"/>
+              </a:rPr>
+              <a:t>切</a:t>
+            </a:r>
+            <a:endParaRPr lang="zh-TW" altLang="en-US" sz="5400" b="1" dirty="0">
               <a:solidFill>
                 <a:srgbClr val="000066"/>
               </a:solidFill>
               <a:latin typeface="微軟正黑體" pitchFamily="34" charset="-120"/>
               <a:ea typeface="微軟正黑體" pitchFamily="34" charset="-120"/>
             </a:endParaRPr>
-          </a:p>
-          <a:p>
-            <a:pPr algn="ctr">
-              <a:buNone/>
-            </a:pPr>
-            <a:r>
-              <a:rPr lang="zh-TW" altLang="en-US" sz="5400" b="1" dirty="0" smtClean="0">
-                <a:solidFill>
-                  <a:srgbClr val="000066"/>
-                </a:solidFill>
-                <a:latin typeface="微軟正黑體" pitchFamily="34" charset="-120"/>
-                <a:ea typeface="微軟正黑體" pitchFamily="34" charset="-120"/>
-              </a:rPr>
-              <a:t>配</a:t>
-            </a:r>
-            <a:r>
-              <a:rPr lang="zh-TW" altLang="en-US" sz="5400" b="1" dirty="0">
-                <a:solidFill>
-                  <a:srgbClr val="000066"/>
-                </a:solidFill>
-                <a:latin typeface="微軟正黑體" pitchFamily="34" charset="-120"/>
-                <a:ea typeface="微軟正黑體" pitchFamily="34" charset="-120"/>
-              </a:rPr>
-              <a:t>得大讚美</a:t>
-            </a:r>
           </a:p>
         </p:txBody>
       </p:sp>
@@ -3665,6 +4218,16 @@
           <a:lstStyle/>
           <a:p>
             <a:r>
+              <a:rPr lang="zh-CN" altLang="en-US" b="1" dirty="0">
+                <a:solidFill>
+                  <a:srgbClr val="000066"/>
+                </a:solidFill>
+                <a:latin typeface="微軟正黑體" pitchFamily="34" charset="-120"/>
+                <a:ea typeface="微軟正黑體" pitchFamily="34" charset="-120"/>
+              </a:rPr>
+              <a:t>袮</a:t>
+            </a:r>
+            <a:r>
               <a:rPr lang="zh-TW" altLang="en-US" b="1" dirty="0" smtClean="0">
                 <a:solidFill>
                   <a:srgbClr val="000066"/>
@@ -3672,7 +4235,17 @@
                 <a:latin typeface="微軟正黑體" pitchFamily="34" charset="-120"/>
                 <a:ea typeface="微軟正黑體" pitchFamily="34" charset="-120"/>
               </a:rPr>
-              <a:t>你是我的一切</a:t>
+              <a:t>是</a:t>
+            </a:r>
+            <a:r>
+              <a:rPr lang="zh-TW" altLang="en-US" b="1" dirty="0" smtClean="0">
+                <a:solidFill>
+                  <a:srgbClr val="000066"/>
+                </a:solidFill>
+                <a:latin typeface="微軟正黑體" pitchFamily="34" charset="-120"/>
+                <a:ea typeface="微軟正黑體" pitchFamily="34" charset="-120"/>
+              </a:rPr>
+              <a:t>我的一切</a:t>
             </a:r>
             <a:endParaRPr lang="zh-TW" altLang="en-US" b="1" dirty="0">
               <a:solidFill>
@@ -3712,19 +4285,9 @@
                 <a:latin typeface="微軟正黑體" pitchFamily="34" charset="-120"/>
                 <a:ea typeface="微軟正黑體" pitchFamily="34" charset="-120"/>
               </a:rPr>
-              <a:t>擔當我罪債和</a:t>
-            </a:r>
-            <a:r>
-              <a:rPr lang="zh-TW" altLang="en-US" sz="5400" b="1" dirty="0" smtClean="0">
-                <a:solidFill>
-                  <a:srgbClr val="000066"/>
-                </a:solidFill>
-                <a:latin typeface="微軟正黑體" pitchFamily="34" charset="-120"/>
-                <a:ea typeface="微軟正黑體" pitchFamily="34" charset="-120"/>
-              </a:rPr>
-              <a:t>羞辱</a:t>
-            </a:r>
-            <a:endParaRPr lang="en-US" altLang="zh-TW" sz="5400" b="1" dirty="0" smtClean="0">
+              <a:t>耶穌  神羔羊</a:t>
+            </a:r>
+            <a:endParaRPr lang="en-US" altLang="zh-TW" sz="5400" b="1" dirty="0">
               <a:solidFill>
                 <a:srgbClr val="000066"/>
               </a:solidFill>
@@ -3737,16 +4300,6 @@
               <a:buNone/>
             </a:pPr>
             <a:r>
-              <a:rPr lang="zh-TW" altLang="en-US" sz="5400" b="1" dirty="0" smtClean="0">
-                <a:solidFill>
-                  <a:srgbClr val="000066"/>
-                </a:solidFill>
-                <a:latin typeface="微軟正黑體" pitchFamily="34" charset="-120"/>
-                <a:ea typeface="微軟正黑體" pitchFamily="34" charset="-120"/>
-              </a:rPr>
-              <a:t>死</a:t>
-            </a:r>
-            <a:r>
               <a:rPr lang="zh-TW" altLang="en-US" sz="5400" b="1" dirty="0">
                 <a:solidFill>
                   <a:srgbClr val="000066"/>
@@ -3754,19 +4307,29 @@
                 <a:latin typeface="微軟正黑體" pitchFamily="34" charset="-120"/>
                 <a:ea typeface="微軟正黑體" pitchFamily="34" charset="-120"/>
               </a:rPr>
-              <a:t>裡復活我蒙救</a:t>
-            </a:r>
-            <a:r>
-              <a:rPr lang="zh-TW" altLang="en-US" sz="5400" b="1" dirty="0" smtClean="0">
-                <a:solidFill>
-                  <a:srgbClr val="000066"/>
-                </a:solidFill>
-                <a:latin typeface="微軟正黑體" pitchFamily="34" charset="-120"/>
-                <a:ea typeface="微軟正黑體" pitchFamily="34" charset="-120"/>
-              </a:rPr>
-              <a:t>贖</a:t>
-            </a:r>
-            <a:endParaRPr lang="en-US" altLang="zh-TW" sz="5400" b="1" dirty="0" smtClean="0">
+              <a:t>配</a:t>
+            </a:r>
+            <a:r>
+              <a:rPr lang="zh-TW" altLang="en-US" sz="5400" b="1" dirty="0">
+                <a:solidFill>
+                  <a:srgbClr val="000066"/>
+                </a:solidFill>
+                <a:latin typeface="微軟正黑體" pitchFamily="34" charset="-120"/>
+                <a:ea typeface="微軟正黑體" pitchFamily="34" charset="-120"/>
+              </a:rPr>
+              <a:t>得大</a:t>
+            </a:r>
+            <a:r>
+              <a:rPr lang="zh-TW" altLang="en-US" sz="5400" b="1" dirty="0">
+                <a:solidFill>
+                  <a:srgbClr val="000066"/>
+                </a:solidFill>
+                <a:latin typeface="微軟正黑體" pitchFamily="34" charset="-120"/>
+                <a:ea typeface="微軟正黑體" pitchFamily="34" charset="-120"/>
+              </a:rPr>
+              <a:t>讚美</a:t>
+            </a:r>
+            <a:endParaRPr lang="en-US" altLang="zh-TW" sz="5400" b="1" dirty="0">
               <a:solidFill>
                 <a:srgbClr val="000066"/>
               </a:solidFill>
@@ -3779,16 +4342,6 @@
               <a:buNone/>
             </a:pPr>
             <a:r>
-              <a:rPr lang="zh-TW" altLang="en-US" sz="5400" b="1" dirty="0" smtClean="0">
-                <a:solidFill>
-                  <a:srgbClr val="000066"/>
-                </a:solidFill>
-                <a:latin typeface="微軟正黑體" pitchFamily="34" charset="-120"/>
-                <a:ea typeface="微軟正黑體" pitchFamily="34" charset="-120"/>
-              </a:rPr>
-              <a:t>你</a:t>
-            </a:r>
-            <a:r>
               <a:rPr lang="zh-TW" altLang="en-US" sz="5400" b="1" dirty="0">
                 <a:solidFill>
                   <a:srgbClr val="000066"/>
@@ -3796,71 +4349,9 @@
                 <a:latin typeface="微軟正黑體" pitchFamily="34" charset="-120"/>
                 <a:ea typeface="微軟正黑體" pitchFamily="34" charset="-120"/>
               </a:rPr>
-              <a:t>是我的一切</a:t>
-            </a:r>
-          </a:p>
-        </p:txBody>
-      </p:sp>
-    </p:spTree>
-  </p:cSld>
-  <p:clrMapOvr>
-    <a:masterClrMapping/>
-  </p:clrMapOvr>
-  <p:timing>
-    <p:tnLst>
-      <p:par>
-        <p:cTn id="1" dur="indefinite" restart="never" nodeType="tmRoot"/>
-      </p:par>
-    </p:tnLst>
-  </p:timing>
-</p:sld>
-</file>
-
-<file path=ppt/slides/slide5.xml><?xml version="1.0" encoding="utf-8"?>
-<p:sld xmlns:a="http://schemas.openxmlformats.org/drawingml/2006/main" xmlns:r="http://schemas.openxmlformats.org/officeDocument/2006/relationships" xmlns:p="http://schemas.openxmlformats.org/presentationml/2006/main">
-  <p:cSld>
-    <p:spTree>
-      <p:nvGrpSpPr>
-        <p:cNvPr id="1" name=""/>
-        <p:cNvGrpSpPr/>
-        <p:nvPr/>
-      </p:nvGrpSpPr>
-      <p:grpSpPr>
-        <a:xfrm>
-          <a:off x="0" y="0"/>
-          <a:ext cx="0" cy="0"/>
-          <a:chOff x="0" y="0"/>
-          <a:chExt cx="0" cy="0"/>
-        </a:xfrm>
-      </p:grpSpPr>
-      <p:sp>
-        <p:nvSpPr>
-          <p:cNvPr id="6" name="標題 5"/>
-          <p:cNvSpPr>
-            <a:spLocks noGrp="1"/>
-          </p:cNvSpPr>
-          <p:nvPr>
-            <p:ph type="title"/>
-          </p:nvPr>
-        </p:nvSpPr>
-        <p:spPr/>
-        <p:txBody>
-          <a:bodyPr>
-            <a:normAutofit/>
-          </a:bodyPr>
-          <a:lstStyle/>
-          <a:p>
-            <a:r>
-              <a:rPr lang="zh-TW" altLang="en-US" b="1" dirty="0" smtClean="0">
-                <a:solidFill>
-                  <a:srgbClr val="000066"/>
-                </a:solidFill>
-                <a:latin typeface="微軟正黑體" pitchFamily="34" charset="-120"/>
-                <a:ea typeface="微軟正黑體" pitchFamily="34" charset="-120"/>
-              </a:rPr>
-              <a:t>你是我的一切</a:t>
-            </a:r>
-            <a:endParaRPr lang="zh-TW" altLang="en-US" b="1" dirty="0">
+              <a:t>耶穌  神羔羊</a:t>
+            </a:r>
+            <a:endParaRPr lang="en-US" altLang="zh-TW" sz="5400" b="1" dirty="0">
               <a:solidFill>
                 <a:srgbClr val="000066"/>
               </a:solidFill>
@@ -3868,302 +4359,12 @@
               <a:ea typeface="微軟正黑體" pitchFamily="34" charset="-120"/>
             </a:endParaRPr>
           </a:p>
-        </p:txBody>
-      </p:sp>
-      <p:sp>
-        <p:nvSpPr>
-          <p:cNvPr id="7" name="內容版面配置區 6"/>
-          <p:cNvSpPr>
-            <a:spLocks noGrp="1"/>
-          </p:cNvSpPr>
-          <p:nvPr>
-            <p:ph idx="1"/>
-          </p:nvPr>
-        </p:nvSpPr>
-        <p:spPr/>
-        <p:txBody>
-          <a:bodyPr>
-            <a:noAutofit/>
-          </a:bodyPr>
-          <a:lstStyle/>
           <a:p>
             <a:pPr algn="ctr">
               <a:buNone/>
             </a:pPr>
             <a:r>
               <a:rPr lang="zh-TW" altLang="en-US" sz="5400" b="1" dirty="0">
-                <a:solidFill>
-                  <a:srgbClr val="000066"/>
-                </a:solidFill>
-                <a:latin typeface="微軟正黑體" pitchFamily="34" charset="-120"/>
-                <a:ea typeface="微軟正黑體" pitchFamily="34" charset="-120"/>
-              </a:rPr>
-              <a:t>當我跌倒你扶持</a:t>
-            </a:r>
-            <a:r>
-              <a:rPr lang="zh-TW" altLang="en-US" sz="5400" b="1" dirty="0" smtClean="0">
-                <a:solidFill>
-                  <a:srgbClr val="000066"/>
-                </a:solidFill>
-                <a:latin typeface="微軟正黑體" pitchFamily="34" charset="-120"/>
-                <a:ea typeface="微軟正黑體" pitchFamily="34" charset="-120"/>
-              </a:rPr>
-              <a:t>我</a:t>
-            </a:r>
-            <a:endParaRPr lang="en-US" altLang="zh-TW" sz="5400" b="1" dirty="0" smtClean="0">
-              <a:solidFill>
-                <a:srgbClr val="000066"/>
-              </a:solidFill>
-              <a:latin typeface="微軟正黑體" pitchFamily="34" charset="-120"/>
-              <a:ea typeface="微軟正黑體" pitchFamily="34" charset="-120"/>
-            </a:endParaRPr>
-          </a:p>
-          <a:p>
-            <a:pPr algn="ctr">
-              <a:buNone/>
-            </a:pPr>
-            <a:r>
-              <a:rPr lang="zh-TW" altLang="en-US" sz="5400" b="1" dirty="0" smtClean="0">
-                <a:solidFill>
-                  <a:srgbClr val="000066"/>
-                </a:solidFill>
-                <a:latin typeface="微軟正黑體" pitchFamily="34" charset="-120"/>
-                <a:ea typeface="微軟正黑體" pitchFamily="34" charset="-120"/>
-              </a:rPr>
-              <a:t>當</a:t>
-            </a:r>
-            <a:r>
-              <a:rPr lang="zh-TW" altLang="en-US" sz="5400" b="1" dirty="0">
-                <a:solidFill>
-                  <a:srgbClr val="000066"/>
-                </a:solidFill>
-                <a:latin typeface="微軟正黑體" pitchFamily="34" charset="-120"/>
-                <a:ea typeface="微軟正黑體" pitchFamily="34" charset="-120"/>
-              </a:rPr>
-              <a:t>我乾渴你充滿</a:t>
-            </a:r>
-            <a:r>
-              <a:rPr lang="zh-TW" altLang="en-US" sz="5400" b="1" dirty="0" smtClean="0">
-                <a:solidFill>
-                  <a:srgbClr val="000066"/>
-                </a:solidFill>
-                <a:latin typeface="微軟正黑體" pitchFamily="34" charset="-120"/>
-                <a:ea typeface="微軟正黑體" pitchFamily="34" charset="-120"/>
-              </a:rPr>
-              <a:t>我</a:t>
-            </a:r>
-            <a:endParaRPr lang="en-US" altLang="zh-TW" sz="5400" b="1" dirty="0" smtClean="0">
-              <a:solidFill>
-                <a:srgbClr val="000066"/>
-              </a:solidFill>
-              <a:latin typeface="微軟正黑體" pitchFamily="34" charset="-120"/>
-              <a:ea typeface="微軟正黑體" pitchFamily="34" charset="-120"/>
-            </a:endParaRPr>
-          </a:p>
-          <a:p>
-            <a:pPr algn="ctr">
-              <a:buNone/>
-            </a:pPr>
-            <a:r>
-              <a:rPr lang="zh-TW" altLang="en-US" sz="5400" b="1" dirty="0" smtClean="0">
-                <a:solidFill>
-                  <a:srgbClr val="000066"/>
-                </a:solidFill>
-                <a:latin typeface="微軟正黑體" pitchFamily="34" charset="-120"/>
-                <a:ea typeface="微軟正黑體" pitchFamily="34" charset="-120"/>
-              </a:rPr>
-              <a:t>你</a:t>
-            </a:r>
-            <a:r>
-              <a:rPr lang="zh-TW" altLang="en-US" sz="5400" b="1" dirty="0">
-                <a:solidFill>
-                  <a:srgbClr val="000066"/>
-                </a:solidFill>
-                <a:latin typeface="微軟正黑體" pitchFamily="34" charset="-120"/>
-                <a:ea typeface="微軟正黑體" pitchFamily="34" charset="-120"/>
-              </a:rPr>
-              <a:t>是我的一切</a:t>
-            </a:r>
-          </a:p>
-        </p:txBody>
-      </p:sp>
-    </p:spTree>
-  </p:cSld>
-  <p:clrMapOvr>
-    <a:masterClrMapping/>
-  </p:clrMapOvr>
-  <p:timing>
-    <p:tnLst>
-      <p:par>
-        <p:cTn id="1" dur="indefinite" restart="never" nodeType="tmRoot"/>
-      </p:par>
-    </p:tnLst>
-  </p:timing>
-</p:sld>
-</file>
-
-<file path=ppt/slides/slide6.xml><?xml version="1.0" encoding="utf-8"?>
-<p:sld xmlns:a="http://schemas.openxmlformats.org/drawingml/2006/main" xmlns:r="http://schemas.openxmlformats.org/officeDocument/2006/relationships" xmlns:p="http://schemas.openxmlformats.org/presentationml/2006/main">
-  <p:cSld>
-    <p:spTree>
-      <p:nvGrpSpPr>
-        <p:cNvPr id="1" name=""/>
-        <p:cNvGrpSpPr/>
-        <p:nvPr/>
-      </p:nvGrpSpPr>
-      <p:grpSpPr>
-        <a:xfrm>
-          <a:off x="0" y="0"/>
-          <a:ext cx="0" cy="0"/>
-          <a:chOff x="0" y="0"/>
-          <a:chExt cx="0" cy="0"/>
-        </a:xfrm>
-      </p:grpSpPr>
-      <p:sp>
-        <p:nvSpPr>
-          <p:cNvPr id="6" name="標題 5"/>
-          <p:cNvSpPr>
-            <a:spLocks noGrp="1"/>
-          </p:cNvSpPr>
-          <p:nvPr>
-            <p:ph type="title"/>
-          </p:nvPr>
-        </p:nvSpPr>
-        <p:spPr/>
-        <p:txBody>
-          <a:bodyPr>
-            <a:normAutofit/>
-          </a:bodyPr>
-          <a:lstStyle/>
-          <a:p>
-            <a:r>
-              <a:rPr lang="zh-TW" altLang="en-US" b="1" dirty="0" smtClean="0">
-                <a:solidFill>
-                  <a:srgbClr val="000066"/>
-                </a:solidFill>
-                <a:latin typeface="微軟正黑體" pitchFamily="34" charset="-120"/>
-                <a:ea typeface="微軟正黑體" pitchFamily="34" charset="-120"/>
-              </a:rPr>
-              <a:t>你是我的一切</a:t>
-            </a:r>
-            <a:endParaRPr lang="zh-TW" altLang="en-US" b="1" dirty="0">
-              <a:solidFill>
-                <a:srgbClr val="000066"/>
-              </a:solidFill>
-              <a:latin typeface="微軟正黑體" pitchFamily="34" charset="-120"/>
-              <a:ea typeface="微軟正黑體" pitchFamily="34" charset="-120"/>
-            </a:endParaRPr>
-          </a:p>
-        </p:txBody>
-      </p:sp>
-      <p:sp>
-        <p:nvSpPr>
-          <p:cNvPr id="7" name="內容版面配置區 6"/>
-          <p:cNvSpPr>
-            <a:spLocks noGrp="1"/>
-          </p:cNvSpPr>
-          <p:nvPr>
-            <p:ph idx="1"/>
-          </p:nvPr>
-        </p:nvSpPr>
-        <p:spPr/>
-        <p:txBody>
-          <a:bodyPr>
-            <a:noAutofit/>
-          </a:bodyPr>
-          <a:lstStyle/>
-          <a:p>
-            <a:pPr algn="ctr">
-              <a:buNone/>
-            </a:pPr>
-            <a:r>
-              <a:rPr lang="zh-TW" altLang="en-US" sz="5400" b="1" dirty="0" smtClean="0">
-                <a:solidFill>
-                  <a:srgbClr val="000066"/>
-                </a:solidFill>
-                <a:latin typeface="微軟正黑體" pitchFamily="34" charset="-120"/>
-                <a:ea typeface="微軟正黑體" pitchFamily="34" charset="-120"/>
-              </a:rPr>
-              <a:t>耶穌  神羔羊</a:t>
-            </a:r>
-            <a:endParaRPr lang="en-US" altLang="zh-TW" sz="5400" b="1" dirty="0" smtClean="0">
-              <a:solidFill>
-                <a:srgbClr val="000066"/>
-              </a:solidFill>
-              <a:latin typeface="微軟正黑體" pitchFamily="34" charset="-120"/>
-              <a:ea typeface="微軟正黑體" pitchFamily="34" charset="-120"/>
-            </a:endParaRPr>
-          </a:p>
-          <a:p>
-            <a:pPr algn="ctr">
-              <a:buNone/>
-            </a:pPr>
-            <a:r>
-              <a:rPr lang="zh-TW" altLang="en-US" sz="5400" b="1" dirty="0" smtClean="0">
-                <a:solidFill>
-                  <a:srgbClr val="000066"/>
-                </a:solidFill>
-                <a:latin typeface="微軟正黑體" pitchFamily="34" charset="-120"/>
-                <a:ea typeface="微軟正黑體" pitchFamily="34" charset="-120"/>
-              </a:rPr>
-              <a:t>配</a:t>
-            </a:r>
-            <a:r>
-              <a:rPr lang="zh-TW" altLang="en-US" sz="5400" b="1" dirty="0">
-                <a:solidFill>
-                  <a:srgbClr val="000066"/>
-                </a:solidFill>
-                <a:latin typeface="微軟正黑體" pitchFamily="34" charset="-120"/>
-                <a:ea typeface="微軟正黑體" pitchFamily="34" charset="-120"/>
-              </a:rPr>
-              <a:t>得大</a:t>
-            </a:r>
-            <a:r>
-              <a:rPr lang="zh-TW" altLang="en-US" sz="5400" b="1" dirty="0" smtClean="0">
-                <a:solidFill>
-                  <a:srgbClr val="000066"/>
-                </a:solidFill>
-                <a:latin typeface="微軟正黑體" pitchFamily="34" charset="-120"/>
-                <a:ea typeface="微軟正黑體" pitchFamily="34" charset="-120"/>
-              </a:rPr>
-              <a:t>讚美</a:t>
-            </a:r>
-            <a:endParaRPr lang="en-US" altLang="zh-TW" sz="5400" b="1" dirty="0" smtClean="0">
-              <a:solidFill>
-                <a:srgbClr val="000066"/>
-              </a:solidFill>
-              <a:latin typeface="微軟正黑體" pitchFamily="34" charset="-120"/>
-              <a:ea typeface="微軟正黑體" pitchFamily="34" charset="-120"/>
-            </a:endParaRPr>
-          </a:p>
-          <a:p>
-            <a:pPr algn="ctr">
-              <a:buNone/>
-            </a:pPr>
-            <a:r>
-              <a:rPr lang="zh-TW" altLang="en-US" sz="5400" b="1" dirty="0" smtClean="0">
-                <a:solidFill>
-                  <a:srgbClr val="000066"/>
-                </a:solidFill>
-                <a:latin typeface="微軟正黑體" pitchFamily="34" charset="-120"/>
-                <a:ea typeface="微軟正黑體" pitchFamily="34" charset="-120"/>
-              </a:rPr>
-              <a:t>耶穌  神羔羊</a:t>
-            </a:r>
-            <a:endParaRPr lang="en-US" altLang="zh-TW" sz="5400" b="1" dirty="0" smtClean="0">
-              <a:solidFill>
-                <a:srgbClr val="000066"/>
-              </a:solidFill>
-              <a:latin typeface="微軟正黑體" pitchFamily="34" charset="-120"/>
-              <a:ea typeface="微軟正黑體" pitchFamily="34" charset="-120"/>
-            </a:endParaRPr>
-          </a:p>
-          <a:p>
-            <a:pPr algn="ctr">
-              <a:buNone/>
-            </a:pPr>
-            <a:r>
-              <a:rPr lang="zh-TW" altLang="en-US" sz="5400" b="1" dirty="0" smtClean="0">
                 <a:solidFill>
                   <a:srgbClr val="000066"/>
                 </a:solidFill>

--- a/你是我的一切.pptx
+++ b/你是我的一切.pptx
@@ -5,10 +5,17 @@
     <p:sldMasterId id="2147483672" r:id="rId1"/>
   </p:sldMasterIdLst>
   <p:sldIdLst>
-    <p:sldId id="256" r:id="rId2"/>
-    <p:sldId id="258" r:id="rId3"/>
-    <p:sldId id="259" r:id="rId4"/>
-    <p:sldId id="261" r:id="rId5"/>
+    <p:sldId id="262" r:id="rId2"/>
+    <p:sldId id="263" r:id="rId3"/>
+    <p:sldId id="264" r:id="rId4"/>
+    <p:sldId id="265" r:id="rId5"/>
+    <p:sldId id="266" r:id="rId6"/>
+    <p:sldId id="267" r:id="rId7"/>
+    <p:sldId id="268" r:id="rId8"/>
+    <p:sldId id="269" r:id="rId9"/>
+    <p:sldId id="270" r:id="rId10"/>
+    <p:sldId id="271" r:id="rId11"/>
+    <p:sldId id="272" r:id="rId12"/>
   </p:sldIdLst>
   <p:sldSz cx="12192000" cy="6858000"/>
   <p:notesSz cx="6858000" cy="9144000"/>
@@ -308,7 +315,7 @@
             <a:fld id="{F4C0ED8C-69B4-47DE-B78F-544662AD9AC7}" type="datetimeFigureOut">
               <a:rPr lang="zh-TW" altLang="en-US" smtClean="0"/>
               <a:pPr/>
-              <a:t>2020/4/10</a:t>
+              <a:t>2021/7/2</a:t>
             </a:fld>
             <a:endParaRPr lang="zh-TW" altLang="en-US"/>
           </a:p>
@@ -475,7 +482,7 @@
             <a:fld id="{F4C0ED8C-69B4-47DE-B78F-544662AD9AC7}" type="datetimeFigureOut">
               <a:rPr lang="zh-TW" altLang="en-US" smtClean="0"/>
               <a:pPr/>
-              <a:t>2020/4/10</a:t>
+              <a:t>2021/7/2</a:t>
             </a:fld>
             <a:endParaRPr lang="zh-TW" altLang="en-US"/>
           </a:p>
@@ -652,7 +659,7 @@
             <a:fld id="{F4C0ED8C-69B4-47DE-B78F-544662AD9AC7}" type="datetimeFigureOut">
               <a:rPr lang="zh-TW" altLang="en-US" smtClean="0"/>
               <a:pPr/>
-              <a:t>2020/4/10</a:t>
+              <a:t>2021/7/2</a:t>
             </a:fld>
             <a:endParaRPr lang="zh-TW" altLang="en-US"/>
           </a:p>
@@ -819,7 +826,7 @@
             <a:fld id="{F4C0ED8C-69B4-47DE-B78F-544662AD9AC7}" type="datetimeFigureOut">
               <a:rPr lang="zh-TW" altLang="en-US" smtClean="0"/>
               <a:pPr/>
-              <a:t>2020/4/10</a:t>
+              <a:t>2021/7/2</a:t>
             </a:fld>
             <a:endParaRPr lang="zh-TW" altLang="en-US"/>
           </a:p>
@@ -1062,7 +1069,7 @@
             <a:fld id="{F4C0ED8C-69B4-47DE-B78F-544662AD9AC7}" type="datetimeFigureOut">
               <a:rPr lang="zh-TW" altLang="en-US" smtClean="0"/>
               <a:pPr/>
-              <a:t>2020/4/10</a:t>
+              <a:t>2021/7/2</a:t>
             </a:fld>
             <a:endParaRPr lang="zh-TW" altLang="en-US"/>
           </a:p>
@@ -1347,7 +1354,7 @@
             <a:fld id="{F4C0ED8C-69B4-47DE-B78F-544662AD9AC7}" type="datetimeFigureOut">
               <a:rPr lang="zh-TW" altLang="en-US" smtClean="0"/>
               <a:pPr/>
-              <a:t>2020/4/10</a:t>
+              <a:t>2021/7/2</a:t>
             </a:fld>
             <a:endParaRPr lang="zh-TW" altLang="en-US"/>
           </a:p>
@@ -1766,7 +1773,7 @@
             <a:fld id="{F4C0ED8C-69B4-47DE-B78F-544662AD9AC7}" type="datetimeFigureOut">
               <a:rPr lang="zh-TW" altLang="en-US" smtClean="0"/>
               <a:pPr/>
-              <a:t>2020/4/10</a:t>
+              <a:t>2021/7/2</a:t>
             </a:fld>
             <a:endParaRPr lang="zh-TW" altLang="en-US"/>
           </a:p>
@@ -1881,7 +1888,7 @@
             <a:fld id="{F4C0ED8C-69B4-47DE-B78F-544662AD9AC7}" type="datetimeFigureOut">
               <a:rPr lang="zh-TW" altLang="en-US" smtClean="0"/>
               <a:pPr/>
-              <a:t>2020/4/10</a:t>
+              <a:t>2021/7/2</a:t>
             </a:fld>
             <a:endParaRPr lang="zh-TW" altLang="en-US"/>
           </a:p>
@@ -1973,7 +1980,7 @@
             <a:fld id="{F4C0ED8C-69B4-47DE-B78F-544662AD9AC7}" type="datetimeFigureOut">
               <a:rPr lang="zh-TW" altLang="en-US" smtClean="0"/>
               <a:pPr/>
-              <a:t>2020/4/10</a:t>
+              <a:t>2021/7/2</a:t>
             </a:fld>
             <a:endParaRPr lang="zh-TW" altLang="en-US"/>
           </a:p>
@@ -2247,7 +2254,7 @@
             <a:fld id="{F4C0ED8C-69B4-47DE-B78F-544662AD9AC7}" type="datetimeFigureOut">
               <a:rPr lang="zh-TW" altLang="en-US" smtClean="0"/>
               <a:pPr/>
-              <a:t>2020/4/10</a:t>
+              <a:t>2021/7/2</a:t>
             </a:fld>
             <a:endParaRPr lang="zh-TW" altLang="en-US"/>
           </a:p>
@@ -2501,7 +2508,7 @@
             <a:fld id="{F4C0ED8C-69B4-47DE-B78F-544662AD9AC7}" type="datetimeFigureOut">
               <a:rPr lang="zh-TW" altLang="en-US" smtClean="0"/>
               <a:pPr/>
-              <a:t>2020/4/10</a:t>
+              <a:t>2021/7/2</a:t>
             </a:fld>
             <a:endParaRPr lang="zh-TW" altLang="en-US"/>
           </a:p>
@@ -2716,7 +2723,7 @@
             <a:fld id="{F4C0ED8C-69B4-47DE-B78F-544662AD9AC7}" type="datetimeFigureOut">
               <a:rPr lang="zh-TW" altLang="en-US" smtClean="0"/>
               <a:pPr/>
-              <a:t>2020/4/10</a:t>
+              <a:t>2021/7/2</a:t>
             </a:fld>
             <a:endParaRPr lang="zh-TW" altLang="en-US"/>
           </a:p>
@@ -3089,7 +3096,7 @@
       </p:grpSpPr>
       <p:sp>
         <p:nvSpPr>
-          <p:cNvPr id="6" name="標題 5"/>
+          <p:cNvPr id="4" name="標題 3"/>
           <p:cNvSpPr>
             <a:spLocks noGrp="1"/>
           </p:cNvSpPr>
@@ -3097,46 +3104,133 @@
             <p:ph type="title"/>
           </p:nvPr>
         </p:nvSpPr>
-        <p:spPr/>
+        <p:spPr>
+          <a:xfrm>
+            <a:off x="0" y="2660915"/>
+            <a:ext cx="12192000" cy="1143000"/>
+          </a:xfrm>
+        </p:spPr>
         <p:txBody>
           <a:bodyPr>
-            <a:normAutofit/>
+            <a:noAutofit/>
           </a:bodyPr>
           <a:lstStyle/>
           <a:p>
             <a:r>
-              <a:rPr lang="zh-CN" altLang="en-US" b="1" dirty="0">
-                <a:solidFill>
-                  <a:srgbClr val="000066"/>
-                </a:solidFill>
+              <a:rPr lang="zh-CN" altLang="en-US" sz="7200" b="1" i="1" dirty="0">
+                <a:solidFill>
+                  <a:srgbClr val="660033"/>
+                </a:solidFill>
+                <a:effectLst>
+                  <a:outerShdw blurRad="38100" dist="38100" dir="2700000" algn="tl">
+                    <a:srgbClr val="000000">
+                      <a:alpha val="43137"/>
+                    </a:srgbClr>
+                  </a:outerShdw>
+                </a:effectLst>
                 <a:latin typeface="微軟正黑體" pitchFamily="34" charset="-120"/>
                 <a:ea typeface="微軟正黑體" pitchFamily="34" charset="-120"/>
               </a:rPr>
               <a:t>袮</a:t>
             </a:r>
             <a:r>
-              <a:rPr lang="zh-TW" altLang="en-US" b="1" dirty="0" smtClean="0">
-                <a:solidFill>
-                  <a:srgbClr val="000066"/>
-                </a:solidFill>
+              <a:rPr lang="zh-TW" altLang="en-US" sz="7200" b="1" i="1" dirty="0">
+                <a:solidFill>
+                  <a:srgbClr val="660033"/>
+                </a:solidFill>
+                <a:effectLst>
+                  <a:outerShdw blurRad="38100" dist="38100" dir="2700000" algn="tl">
+                    <a:srgbClr val="000000">
+                      <a:alpha val="43137"/>
+                    </a:srgbClr>
+                  </a:outerShdw>
+                </a:effectLst>
                 <a:latin typeface="微軟正黑體" pitchFamily="34" charset="-120"/>
                 <a:ea typeface="微軟正黑體" pitchFamily="34" charset="-120"/>
               </a:rPr>
-              <a:t>是</a:t>
-            </a:r>
-            <a:r>
-              <a:rPr lang="zh-TW" altLang="en-US" b="1" dirty="0" smtClean="0">
-                <a:solidFill>
-                  <a:srgbClr val="000066"/>
+              <a:t>是我的一切</a:t>
+            </a:r>
+          </a:p>
+        </p:txBody>
+      </p:sp>
+    </p:spTree>
+    <p:extLst>
+      <p:ext uri="{BB962C8B-B14F-4D97-AF65-F5344CB8AC3E}">
+        <p14:creationId xmlns:p14="http://schemas.microsoft.com/office/powerpoint/2010/main" val="721314774"/>
+      </p:ext>
+    </p:extLst>
+  </p:cSld>
+  <p:clrMapOvr>
+    <a:masterClrMapping/>
+  </p:clrMapOvr>
+</p:sld>
+</file>
+
+<file path=ppt/slides/slide10.xml><?xml version="1.0" encoding="utf-8"?>
+<p:sld xmlns:a="http://schemas.openxmlformats.org/drawingml/2006/main" xmlns:r="http://schemas.openxmlformats.org/officeDocument/2006/relationships" xmlns:p="http://schemas.openxmlformats.org/presentationml/2006/main">
+  <p:cSld>
+    <p:spTree>
+      <p:nvGrpSpPr>
+        <p:cNvPr id="1" name=""/>
+        <p:cNvGrpSpPr/>
+        <p:nvPr/>
+      </p:nvGrpSpPr>
+      <p:grpSpPr>
+        <a:xfrm>
+          <a:off x="0" y="0"/>
+          <a:ext cx="0" cy="0"/>
+          <a:chOff x="0" y="0"/>
+          <a:chExt cx="0" cy="0"/>
+        </a:xfrm>
+      </p:grpSpPr>
+      <p:sp>
+        <p:nvSpPr>
+          <p:cNvPr id="5" name="內容版面配置區 4"/>
+          <p:cNvSpPr>
+            <a:spLocks noGrp="1"/>
+          </p:cNvSpPr>
+          <p:nvPr>
+            <p:ph idx="1"/>
+          </p:nvPr>
+        </p:nvSpPr>
+        <p:spPr>
+          <a:xfrm>
+            <a:off x="0" y="2084851"/>
+            <a:ext cx="12192000" cy="2404863"/>
+          </a:xfrm>
+        </p:spPr>
+        <p:txBody>
+          <a:bodyPr anchor="ctr">
+            <a:normAutofit/>
+          </a:bodyPr>
+          <a:lstStyle/>
+          <a:p>
+            <a:pPr algn="ctr">
+              <a:buNone/>
+            </a:pPr>
+            <a:r>
+              <a:rPr lang="zh-CN" altLang="en-US" sz="6400" b="1" dirty="0">
+                <a:solidFill>
+                  <a:srgbClr val="660033"/>
                 </a:solidFill>
                 <a:latin typeface="微軟正黑體" pitchFamily="34" charset="-120"/>
                 <a:ea typeface="微軟正黑體" pitchFamily="34" charset="-120"/>
               </a:rPr>
-              <a:t>我的一切</a:t>
-            </a:r>
-            <a:endParaRPr lang="zh-TW" altLang="en-US" b="1" dirty="0">
+              <a:t>袮</a:t>
+            </a:r>
+            <a:r>
+              <a:rPr lang="zh-TW" altLang="en-US" sz="6400" b="1" dirty="0">
+                <a:solidFill>
+                  <a:srgbClr val="660033"/>
+                </a:solidFill>
+                <a:latin typeface="微軟正黑體" pitchFamily="34" charset="-120"/>
+                <a:ea typeface="微軟正黑體" pitchFamily="34" charset="-120"/>
+              </a:rPr>
+              <a:t>是我的一切</a:t>
+            </a:r>
+            <a:endParaRPr lang="en-US" altLang="zh-TW" sz="6400" b="1" dirty="0">
               <a:solidFill>
-                <a:srgbClr val="000066"/>
+                <a:srgbClr val="660033"/>
               </a:solidFill>
               <a:latin typeface="微軟正黑體" pitchFamily="34" charset="-120"/>
               <a:ea typeface="微軟正黑體" pitchFamily="34" charset="-120"/>
@@ -3146,23 +3240,94 @@
       </p:sp>
       <p:sp>
         <p:nvSpPr>
-          <p:cNvPr id="7" name="內容版面配置區 6"/>
-          <p:cNvSpPr>
-            <a:spLocks noGrp="1"/>
-          </p:cNvSpPr>
-          <p:nvPr>
-            <p:ph idx="1"/>
-          </p:nvPr>
+          <p:cNvPr id="3" name="TextBox 2"/>
+          <p:cNvSpPr txBox="1"/>
+          <p:nvPr/>
         </p:nvSpPr>
         <p:spPr>
           <a:xfrm>
-            <a:off x="0" y="1600201"/>
-            <a:ext cx="12192000" cy="4525963"/>
+            <a:off x="0" y="5061182"/>
+            <a:ext cx="12192000" cy="830997"/>
+          </a:xfrm>
+          <a:prstGeom prst="rect">
+            <a:avLst/>
+          </a:prstGeom>
+          <a:noFill/>
+        </p:spPr>
+        <p:txBody>
+          <a:bodyPr wrap="square" rtlCol="0">
+            <a:spAutoFit/>
+          </a:bodyPr>
+          <a:lstStyle/>
+          <a:p>
+            <a:pPr algn="ctr"/>
+            <a:r>
+              <a:rPr lang="en-US" sz="4800" b="1" dirty="0">
+                <a:solidFill>
+                  <a:srgbClr val="660033"/>
+                </a:solidFill>
+                <a:effectLst/>
+              </a:rPr>
+              <a:t>( 2 )</a:t>
+            </a:r>
+            <a:endParaRPr lang="vi-VN" sz="4800" b="1" dirty="0">
+              <a:solidFill>
+                <a:srgbClr val="660033"/>
+              </a:solidFill>
+              <a:effectLst/>
+            </a:endParaRPr>
+          </a:p>
+        </p:txBody>
+      </p:sp>
+    </p:spTree>
+    <p:extLst>
+      <p:ext uri="{BB962C8B-B14F-4D97-AF65-F5344CB8AC3E}">
+        <p14:creationId xmlns:p14="http://schemas.microsoft.com/office/powerpoint/2010/main" val="1103336193"/>
+      </p:ext>
+    </p:extLst>
+  </p:cSld>
+  <p:clrMapOvr>
+    <a:masterClrMapping/>
+  </p:clrMapOvr>
+</p:sld>
+</file>
+
+<file path=ppt/slides/slide11.xml><?xml version="1.0" encoding="utf-8"?>
+<p:sld xmlns:a="http://schemas.openxmlformats.org/drawingml/2006/main" xmlns:r="http://schemas.openxmlformats.org/officeDocument/2006/relationships" xmlns:p="http://schemas.openxmlformats.org/presentationml/2006/main">
+  <p:cSld>
+    <p:spTree>
+      <p:nvGrpSpPr>
+        <p:cNvPr id="1" name=""/>
+        <p:cNvGrpSpPr/>
+        <p:nvPr/>
+      </p:nvGrpSpPr>
+      <p:grpSpPr>
+        <a:xfrm>
+          <a:off x="0" y="0"/>
+          <a:ext cx="0" cy="0"/>
+          <a:chOff x="0" y="0"/>
+          <a:chExt cx="0" cy="0"/>
+        </a:xfrm>
+      </p:grpSpPr>
+      <p:sp>
+        <p:nvSpPr>
+          <p:cNvPr id="5" name="內容版面配置區 4"/>
+          <p:cNvSpPr>
+            <a:spLocks noGrp="1"/>
+          </p:cNvSpPr>
+          <p:nvPr>
+            <p:ph idx="1"/>
+          </p:nvPr>
+        </p:nvSpPr>
+        <p:spPr>
+          <a:xfrm>
+            <a:off x="0" y="2084851"/>
+            <a:ext cx="12192000" cy="2404863"/>
           </a:xfrm>
         </p:spPr>
         <p:txBody>
-          <a:bodyPr>
-            <a:noAutofit/>
+          <a:bodyPr anchor="ctr">
+            <a:normAutofit/>
           </a:bodyPr>
           <a:lstStyle/>
           <a:p>
@@ -3170,98 +3335,38 @@
               <a:buNone/>
             </a:pPr>
             <a:r>
-              <a:rPr lang="zh-CN" altLang="en-US" sz="5400" b="1" dirty="0">
-                <a:solidFill>
-                  <a:srgbClr val="000066"/>
+              <a:rPr lang="zh-TW" altLang="en-US" sz="6400" b="1" dirty="0">
+                <a:solidFill>
+                  <a:srgbClr val="660033"/>
                 </a:solidFill>
                 <a:latin typeface="微軟正黑體" pitchFamily="34" charset="-120"/>
                 <a:ea typeface="微軟正黑體" pitchFamily="34" charset="-120"/>
               </a:rPr>
-              <a:t>袮</a:t>
-            </a:r>
-            <a:r>
-              <a:rPr lang="zh-TW" altLang="en-US" sz="5400" b="1" dirty="0" smtClean="0">
-                <a:solidFill>
-                  <a:srgbClr val="000066"/>
+              <a:t>耶穌  神羔羊</a:t>
+            </a:r>
+            <a:r>
+              <a:rPr lang="en-US" altLang="zh-TW" sz="6400" b="1" dirty="0">
+                <a:solidFill>
+                  <a:srgbClr val="660033"/>
                 </a:solidFill>
                 <a:latin typeface="微軟正黑體" pitchFamily="34" charset="-120"/>
                 <a:ea typeface="微軟正黑體" pitchFamily="34" charset="-120"/>
               </a:rPr>
-              <a:t>是</a:t>
-            </a:r>
-            <a:r>
-              <a:rPr lang="zh-TW" altLang="en-US" sz="5400" b="1" dirty="0">
-                <a:solidFill>
-                  <a:srgbClr val="000066"/>
+              <a:t>  </a:t>
+            </a:r>
+            <a:r>
+              <a:rPr lang="zh-TW" altLang="en-US" sz="6400" b="1" dirty="0">
+                <a:solidFill>
+                  <a:srgbClr val="660033"/>
                 </a:solidFill>
                 <a:latin typeface="微軟正黑體" pitchFamily="34" charset="-120"/>
                 <a:ea typeface="微軟正黑體" pitchFamily="34" charset="-120"/>
               </a:rPr>
-              <a:t>我倚靠的</a:t>
-            </a:r>
-            <a:r>
-              <a:rPr lang="zh-TW" altLang="en-US" sz="5400" b="1" dirty="0">
-                <a:solidFill>
-                  <a:srgbClr val="000066"/>
-                </a:solidFill>
-                <a:latin typeface="微軟正黑體" pitchFamily="34" charset="-120"/>
-                <a:ea typeface="微軟正黑體" pitchFamily="34" charset="-120"/>
-              </a:rPr>
-              <a:t>力</a:t>
-            </a:r>
-            <a:r>
-              <a:rPr lang="zh-TW" altLang="en-US" sz="5400" b="1" dirty="0" smtClean="0">
-                <a:solidFill>
-                  <a:srgbClr val="000066"/>
-                </a:solidFill>
-                <a:latin typeface="微軟正黑體" pitchFamily="34" charset="-120"/>
-                <a:ea typeface="微軟正黑體" pitchFamily="34" charset="-120"/>
-              </a:rPr>
-              <a:t>量  </a:t>
-            </a:r>
-            <a:r>
-              <a:rPr lang="zh-CN" altLang="en-US" sz="5400" b="1" dirty="0" smtClean="0">
-                <a:solidFill>
-                  <a:srgbClr val="000066"/>
-                </a:solidFill>
-                <a:latin typeface="微軟正黑體" pitchFamily="34" charset="-120"/>
-                <a:ea typeface="微軟正黑體" pitchFamily="34" charset="-120"/>
-              </a:rPr>
-              <a:t>袮</a:t>
-            </a:r>
-            <a:r>
-              <a:rPr lang="zh-TW" altLang="en-US" sz="5400" b="1" dirty="0" smtClean="0">
-                <a:solidFill>
-                  <a:srgbClr val="000066"/>
-                </a:solidFill>
-                <a:latin typeface="微軟正黑體" pitchFamily="34" charset="-120"/>
-                <a:ea typeface="微軟正黑體" pitchFamily="34" charset="-120"/>
-              </a:rPr>
-              <a:t>是</a:t>
-            </a:r>
-            <a:r>
-              <a:rPr lang="zh-TW" altLang="en-US" sz="5400" b="1" dirty="0">
-                <a:solidFill>
-                  <a:srgbClr val="000066"/>
-                </a:solidFill>
-                <a:latin typeface="微軟正黑體" pitchFamily="34" charset="-120"/>
-                <a:ea typeface="微軟正黑體" pitchFamily="34" charset="-120"/>
-              </a:rPr>
-              <a:t>我尋求的</a:t>
-            </a:r>
-            <a:r>
-              <a:rPr lang="zh-TW" altLang="en-US" sz="5400" b="1" dirty="0">
-                <a:solidFill>
-                  <a:srgbClr val="000066"/>
-                </a:solidFill>
-                <a:latin typeface="微軟正黑體" pitchFamily="34" charset="-120"/>
-                <a:ea typeface="微軟正黑體" pitchFamily="34" charset="-120"/>
-              </a:rPr>
-              <a:t>寶藏</a:t>
-            </a:r>
-            <a:endParaRPr lang="en-US" altLang="zh-TW" sz="5400" b="1" dirty="0">
+              <a:t>配得大讚美</a:t>
+            </a:r>
+            <a:endParaRPr lang="en-US" altLang="zh-TW" sz="6400" b="1" dirty="0">
               <a:solidFill>
-                <a:srgbClr val="000066"/>
+                <a:srgbClr val="660033"/>
               </a:solidFill>
               <a:latin typeface="微軟正黑體" pitchFamily="34" charset="-120"/>
               <a:ea typeface="微軟正黑體" pitchFamily="34" charset="-120"/>
@@ -3272,256 +3377,55 @@
               <a:buNone/>
             </a:pPr>
             <a:r>
-              <a:rPr lang="zh-CN" altLang="en-US" sz="5400" b="1" dirty="0">
-                <a:solidFill>
-                  <a:srgbClr val="000066"/>
+              <a:rPr lang="zh-TW" altLang="en-US" sz="6400" b="1" dirty="0">
+                <a:solidFill>
+                  <a:srgbClr val="660033"/>
                 </a:solidFill>
                 <a:latin typeface="微軟正黑體" pitchFamily="34" charset="-120"/>
                 <a:ea typeface="微軟正黑體" pitchFamily="34" charset="-120"/>
               </a:rPr>
-              <a:t>袮</a:t>
-            </a:r>
-            <a:r>
-              <a:rPr lang="zh-TW" altLang="en-US" sz="5400" b="1" dirty="0" smtClean="0">
-                <a:solidFill>
-                  <a:srgbClr val="000066"/>
+              <a:t>耶穌  神羔羊</a:t>
+            </a:r>
+            <a:r>
+              <a:rPr lang="en-US" altLang="zh-TW" sz="6400" b="1" dirty="0">
+                <a:solidFill>
+                  <a:srgbClr val="660033"/>
                 </a:solidFill>
                 <a:latin typeface="微軟正黑體" pitchFamily="34" charset="-120"/>
                 <a:ea typeface="微軟正黑體" pitchFamily="34" charset="-120"/>
               </a:rPr>
-              <a:t>是</a:t>
-            </a:r>
-            <a:r>
-              <a:rPr lang="zh-TW" altLang="en-US" sz="5400" b="1" dirty="0">
-                <a:solidFill>
-                  <a:srgbClr val="000066"/>
+              <a:t>  </a:t>
+            </a:r>
+            <a:r>
+              <a:rPr lang="zh-TW" altLang="en-US" sz="6400" b="1" dirty="0">
+                <a:solidFill>
+                  <a:srgbClr val="660033"/>
                 </a:solidFill>
                 <a:latin typeface="微軟正黑體" pitchFamily="34" charset="-120"/>
                 <a:ea typeface="微軟正黑體" pitchFamily="34" charset="-120"/>
               </a:rPr>
-              <a:t>我的</a:t>
-            </a:r>
-            <a:r>
-              <a:rPr lang="zh-TW" altLang="en-US" sz="5400" b="1" dirty="0">
-                <a:solidFill>
-                  <a:srgbClr val="000066"/>
-                </a:solidFill>
-                <a:latin typeface="微軟正黑體" pitchFamily="34" charset="-120"/>
-                <a:ea typeface="微軟正黑體" pitchFamily="34" charset="-120"/>
-              </a:rPr>
-              <a:t>一</a:t>
-            </a:r>
-            <a:r>
-              <a:rPr lang="zh-TW" altLang="en-US" sz="5400" b="1" dirty="0" smtClean="0">
-                <a:solidFill>
-                  <a:srgbClr val="000066"/>
-                </a:solidFill>
-                <a:latin typeface="微軟正黑體" pitchFamily="34" charset="-120"/>
-                <a:ea typeface="微軟正黑體" pitchFamily="34" charset="-120"/>
-              </a:rPr>
-              <a:t>切</a:t>
-            </a:r>
-            <a:endParaRPr lang="en-US" altLang="zh-TW" sz="5400" b="1" dirty="0" smtClean="0">
+              <a:t>配得大讚美</a:t>
+            </a:r>
+            <a:endParaRPr lang="zh-TW" altLang="en-US" sz="6400" b="1" dirty="0">
               <a:solidFill>
-                <a:srgbClr val="000066"/>
+                <a:srgbClr val="660033"/>
               </a:solidFill>
               <a:latin typeface="微軟正黑體" pitchFamily="34" charset="-120"/>
               <a:ea typeface="微軟正黑體" pitchFamily="34" charset="-120"/>
             </a:endParaRPr>
           </a:p>
-          <a:p>
-            <a:pPr algn="ctr">
-              <a:buNone/>
-            </a:pPr>
-            <a:r>
-              <a:rPr lang="zh-CN" altLang="en-US" sz="5400" b="1" dirty="0">
-                <a:solidFill>
-                  <a:srgbClr val="000066"/>
-                </a:solidFill>
-                <a:latin typeface="微軟正黑體" pitchFamily="34" charset="-120"/>
-                <a:ea typeface="微軟正黑體" pitchFamily="34" charset="-120"/>
-              </a:rPr>
-              <a:t>袮</a:t>
-            </a:r>
-            <a:r>
-              <a:rPr lang="zh-TW" altLang="en-US" sz="5400" b="1" dirty="0" smtClean="0">
-                <a:solidFill>
-                  <a:srgbClr val="000066"/>
-                </a:solidFill>
-                <a:latin typeface="微軟正黑體" pitchFamily="34" charset="-120"/>
-                <a:ea typeface="微軟正黑體" pitchFamily="34" charset="-120"/>
-              </a:rPr>
-              <a:t>好</a:t>
-            </a:r>
-            <a:r>
-              <a:rPr lang="zh-TW" altLang="en-US" sz="5400" b="1" dirty="0">
-                <a:solidFill>
-                  <a:srgbClr val="000066"/>
-                </a:solidFill>
-                <a:latin typeface="微軟正黑體" pitchFamily="34" charset="-120"/>
-                <a:ea typeface="微軟正黑體" pitchFamily="34" charset="-120"/>
-              </a:rPr>
-              <a:t>比珍貴的</a:t>
-            </a:r>
-            <a:r>
-              <a:rPr lang="zh-CN" altLang="en-US" sz="5400" b="1" dirty="0">
-                <a:solidFill>
-                  <a:srgbClr val="000066"/>
-                </a:solidFill>
-                <a:latin typeface="微軟正黑體" pitchFamily="34" charset="-120"/>
-                <a:ea typeface="微軟正黑體" pitchFamily="34" charset="-120"/>
-              </a:rPr>
-              <a:t>珠</a:t>
-            </a:r>
-            <a:r>
-              <a:rPr lang="zh-TW" altLang="en-US" sz="5400" b="1" dirty="0" smtClean="0">
-                <a:solidFill>
-                  <a:srgbClr val="000066"/>
-                </a:solidFill>
-                <a:latin typeface="微軟正黑體" pitchFamily="34" charset="-120"/>
-                <a:ea typeface="微軟正黑體" pitchFamily="34" charset="-120"/>
-              </a:rPr>
-              <a:t>寶</a:t>
-            </a:r>
-            <a:r>
-              <a:rPr lang="en-US" altLang="zh-TW" sz="5400" b="1" dirty="0" smtClean="0">
-                <a:solidFill>
-                  <a:srgbClr val="000066"/>
-                </a:solidFill>
-                <a:latin typeface="微軟正黑體" pitchFamily="34" charset="-120"/>
-                <a:ea typeface="微軟正黑體" pitchFamily="34" charset="-120"/>
-              </a:rPr>
-              <a:t>  </a:t>
-            </a:r>
-            <a:r>
-              <a:rPr lang="zh-TW" altLang="en-US" sz="5400" b="1" dirty="0" smtClean="0">
-                <a:solidFill>
-                  <a:srgbClr val="000066"/>
-                </a:solidFill>
-                <a:latin typeface="微軟正黑體" pitchFamily="34" charset="-120"/>
-                <a:ea typeface="微軟正黑體" pitchFamily="34" charset="-120"/>
-              </a:rPr>
-              <a:t>我</a:t>
-            </a:r>
-            <a:r>
-              <a:rPr lang="zh-TW" altLang="en-US" sz="5400" b="1" dirty="0">
-                <a:solidFill>
-                  <a:srgbClr val="000066"/>
-                </a:solidFill>
-                <a:latin typeface="微軟正黑體" pitchFamily="34" charset="-120"/>
-                <a:ea typeface="微軟正黑體" pitchFamily="34" charset="-120"/>
-              </a:rPr>
-              <a:t>怎能放</a:t>
-            </a:r>
-            <a:r>
-              <a:rPr lang="zh-TW" altLang="en-US" sz="5400" b="1" dirty="0" smtClean="0">
-                <a:solidFill>
-                  <a:srgbClr val="000066"/>
-                </a:solidFill>
-                <a:latin typeface="微軟正黑體" pitchFamily="34" charset="-120"/>
-                <a:ea typeface="微軟正黑體" pitchFamily="34" charset="-120"/>
-              </a:rPr>
-              <a:t>棄</a:t>
-            </a:r>
-            <a:r>
-              <a:rPr lang="zh-CN" altLang="en-US" sz="5400" b="1" dirty="0">
-                <a:solidFill>
-                  <a:srgbClr val="000066"/>
-                </a:solidFill>
-                <a:latin typeface="微軟正黑體" pitchFamily="34" charset="-120"/>
-                <a:ea typeface="微軟正黑體" pitchFamily="34" charset="-120"/>
-              </a:rPr>
-              <a:t>袮</a:t>
-            </a:r>
-            <a:r>
-              <a:rPr lang="zh-TW" altLang="en-US" sz="5400" b="1" dirty="0" smtClean="0">
-                <a:solidFill>
-                  <a:srgbClr val="000066"/>
-                </a:solidFill>
-                <a:latin typeface="微軟正黑體" pitchFamily="34" charset="-120"/>
-                <a:ea typeface="微軟正黑體" pitchFamily="34" charset="-120"/>
-              </a:rPr>
-              <a:t>不</a:t>
-            </a:r>
-            <a:r>
-              <a:rPr lang="zh-TW" altLang="en-US" sz="5400" b="1" dirty="0">
-                <a:solidFill>
-                  <a:srgbClr val="000066"/>
-                </a:solidFill>
-                <a:latin typeface="微軟正黑體" pitchFamily="34" charset="-120"/>
-                <a:ea typeface="微軟正黑體" pitchFamily="34" charset="-120"/>
-              </a:rPr>
-              <a:t>要</a:t>
-            </a:r>
-            <a:endParaRPr lang="en-US" altLang="zh-TW" sz="5400" b="1" dirty="0">
-              <a:solidFill>
-                <a:srgbClr val="000066"/>
-              </a:solidFill>
-              <a:latin typeface="微軟正黑體" pitchFamily="34" charset="-120"/>
-              <a:ea typeface="微軟正黑體" pitchFamily="34" charset="-120"/>
-            </a:endParaRPr>
-          </a:p>
-          <a:p>
-            <a:pPr algn="ctr">
-              <a:buNone/>
-            </a:pPr>
-            <a:r>
-              <a:rPr lang="zh-CN" altLang="en-US" sz="5400" b="1" dirty="0">
-                <a:solidFill>
-                  <a:srgbClr val="000066"/>
-                </a:solidFill>
-                <a:latin typeface="微軟正黑體" pitchFamily="34" charset="-120"/>
-                <a:ea typeface="微軟正黑體" pitchFamily="34" charset="-120"/>
-              </a:rPr>
-              <a:t>袮</a:t>
-            </a:r>
-            <a:r>
-              <a:rPr lang="zh-TW" altLang="en-US" sz="5400" b="1" dirty="0" smtClean="0">
-                <a:solidFill>
-                  <a:srgbClr val="000066"/>
-                </a:solidFill>
-                <a:latin typeface="微軟正黑體" pitchFamily="34" charset="-120"/>
-                <a:ea typeface="微軟正黑體" pitchFamily="34" charset="-120"/>
-              </a:rPr>
-              <a:t>是</a:t>
-            </a:r>
-            <a:r>
-              <a:rPr lang="zh-TW" altLang="en-US" sz="5400" b="1" dirty="0">
-                <a:solidFill>
-                  <a:srgbClr val="000066"/>
-                </a:solidFill>
-                <a:latin typeface="微軟正黑體" pitchFamily="34" charset="-120"/>
-                <a:ea typeface="微軟正黑體" pitchFamily="34" charset="-120"/>
-              </a:rPr>
-              <a:t>我的一切</a:t>
-            </a:r>
-          </a:p>
-          <a:p>
-            <a:pPr algn="ctr">
-              <a:buNone/>
-            </a:pPr>
-            <a:endParaRPr lang="en-US" altLang="zh-TW" sz="5400" b="1" dirty="0">
-              <a:solidFill>
-                <a:srgbClr val="000066"/>
-              </a:solidFill>
-              <a:latin typeface="微軟正黑體" pitchFamily="34" charset="-120"/>
-              <a:ea typeface="微軟正黑體" pitchFamily="34" charset="-120"/>
-            </a:endParaRPr>
-          </a:p>
         </p:txBody>
       </p:sp>
     </p:spTree>
+    <p:extLst>
+      <p:ext uri="{BB962C8B-B14F-4D97-AF65-F5344CB8AC3E}">
+        <p14:creationId xmlns:p14="http://schemas.microsoft.com/office/powerpoint/2010/main" val="3713520832"/>
+      </p:ext>
+    </p:extLst>
   </p:cSld>
   <p:clrMapOvr>
     <a:masterClrMapping/>
   </p:clrMapOvr>
-  <p:timing>
-    <p:tnLst>
-      <p:par>
-        <p:cTn id="1" dur="indefinite" restart="never" nodeType="tmRoot"/>
-      </p:par>
-    </p:tnLst>
-  </p:timing>
 </p:sld>
 </file>
 
@@ -3544,25 +3448,33 @@
       </p:grpSpPr>
       <p:sp>
         <p:nvSpPr>
-          <p:cNvPr id="6" name="標題 5"/>
-          <p:cNvSpPr>
-            <a:spLocks noGrp="1"/>
-          </p:cNvSpPr>
-          <p:nvPr>
-            <p:ph type="title"/>
-          </p:nvPr>
-        </p:nvSpPr>
-        <p:spPr/>
-        <p:txBody>
-          <a:bodyPr>
+          <p:cNvPr id="5" name="內容版面配置區 4"/>
+          <p:cNvSpPr>
+            <a:spLocks noGrp="1"/>
+          </p:cNvSpPr>
+          <p:nvPr>
+            <p:ph idx="1"/>
+          </p:nvPr>
+        </p:nvSpPr>
+        <p:spPr>
+          <a:xfrm>
+            <a:off x="0" y="2084851"/>
+            <a:ext cx="12192000" cy="2404863"/>
+          </a:xfrm>
+        </p:spPr>
+        <p:txBody>
+          <a:bodyPr anchor="ctr">
             <a:normAutofit/>
           </a:bodyPr>
           <a:lstStyle/>
           <a:p>
-            <a:r>
-              <a:rPr lang="zh-CN" altLang="en-US" b="1" dirty="0">
-                <a:solidFill>
-                  <a:srgbClr val="000066"/>
+            <a:pPr algn="ctr">
+              <a:buNone/>
+            </a:pPr>
+            <a:r>
+              <a:rPr lang="zh-CN" altLang="en-US" sz="6400" b="1" dirty="0">
+                <a:solidFill>
+                  <a:srgbClr val="660033"/>
                 </a:solidFill>
                 <a:latin typeface="微軟正黑體" pitchFamily="34" charset="-120"/>
                 <a:ea typeface="微軟正黑體" pitchFamily="34" charset="-120"/>
@@ -3570,176 +3482,108 @@
               <a:t>袮</a:t>
             </a:r>
             <a:r>
-              <a:rPr lang="zh-TW" altLang="en-US" b="1" dirty="0" smtClean="0">
-                <a:solidFill>
-                  <a:srgbClr val="000066"/>
+              <a:rPr lang="zh-TW" altLang="en-US" sz="6400" b="1" dirty="0">
+                <a:solidFill>
+                  <a:srgbClr val="660033"/>
                 </a:solidFill>
                 <a:latin typeface="微軟正黑體" pitchFamily="34" charset="-120"/>
                 <a:ea typeface="微軟正黑體" pitchFamily="34" charset="-120"/>
               </a:rPr>
-              <a:t>是</a:t>
-            </a:r>
-            <a:r>
-              <a:rPr lang="zh-TW" altLang="en-US" b="1" dirty="0" smtClean="0">
-                <a:solidFill>
-                  <a:srgbClr val="000066"/>
-                </a:solidFill>
-                <a:latin typeface="微軟正黑體" pitchFamily="34" charset="-120"/>
-                <a:ea typeface="微軟正黑體" pitchFamily="34" charset="-120"/>
-              </a:rPr>
-              <a:t>我的一切</a:t>
-            </a:r>
-            <a:endParaRPr lang="zh-TW" altLang="en-US" b="1" dirty="0">
+              <a:t>是我倚靠的力量 </a:t>
+            </a:r>
+            <a:endParaRPr lang="en-US" altLang="zh-TW" sz="6400" b="1" dirty="0">
               <a:solidFill>
-                <a:srgbClr val="000066"/>
+                <a:srgbClr val="660033"/>
               </a:solidFill>
               <a:latin typeface="微軟正黑體" pitchFamily="34" charset="-120"/>
               <a:ea typeface="微軟正黑體" pitchFamily="34" charset="-120"/>
             </a:endParaRPr>
           </a:p>
-        </p:txBody>
-      </p:sp>
-      <p:sp>
-        <p:nvSpPr>
-          <p:cNvPr id="7" name="內容版面配置區 6"/>
-          <p:cNvSpPr>
-            <a:spLocks noGrp="1"/>
-          </p:cNvSpPr>
-          <p:nvPr>
-            <p:ph idx="1"/>
-          </p:nvPr>
-        </p:nvSpPr>
-        <p:spPr/>
-        <p:txBody>
-          <a:bodyPr>
-            <a:noAutofit/>
-          </a:bodyPr>
-          <a:lstStyle/>
           <a:p>
             <a:pPr algn="ctr">
               <a:buNone/>
             </a:pPr>
             <a:r>
-              <a:rPr lang="zh-TW" altLang="en-US" sz="5400" b="1" dirty="0">
-                <a:solidFill>
-                  <a:srgbClr val="000066"/>
+              <a:rPr lang="zh-CN" altLang="en-US" sz="6400" b="1" dirty="0">
+                <a:solidFill>
+                  <a:srgbClr val="660033"/>
                 </a:solidFill>
                 <a:latin typeface="微軟正黑體" pitchFamily="34" charset="-120"/>
                 <a:ea typeface="微軟正黑體" pitchFamily="34" charset="-120"/>
               </a:rPr>
-              <a:t>耶穌  神羔羊</a:t>
-            </a:r>
-            <a:endParaRPr lang="en-US" altLang="zh-TW" sz="5400" b="1" dirty="0">
+              <a:t>袮</a:t>
+            </a:r>
+            <a:r>
+              <a:rPr lang="zh-TW" altLang="en-US" sz="6400" b="1" dirty="0">
+                <a:solidFill>
+                  <a:srgbClr val="660033"/>
+                </a:solidFill>
+                <a:latin typeface="微軟正黑體" pitchFamily="34" charset="-120"/>
+                <a:ea typeface="微軟正黑體" pitchFamily="34" charset="-120"/>
+              </a:rPr>
+              <a:t>是我尋求的寶藏</a:t>
+            </a:r>
+            <a:endParaRPr lang="en-US" altLang="zh-TW" sz="6400" b="1" dirty="0">
               <a:solidFill>
-                <a:srgbClr val="000066"/>
+                <a:srgbClr val="660033"/>
               </a:solidFill>
               <a:latin typeface="微軟正黑體" pitchFamily="34" charset="-120"/>
               <a:ea typeface="微軟正黑體" pitchFamily="34" charset="-120"/>
             </a:endParaRPr>
           </a:p>
-          <a:p>
-            <a:pPr algn="ctr">
-              <a:buNone/>
-            </a:pPr>
-            <a:r>
-              <a:rPr lang="zh-TW" altLang="en-US" sz="5400" b="1" dirty="0">
-                <a:solidFill>
-                  <a:srgbClr val="000066"/>
-                </a:solidFill>
-                <a:latin typeface="微軟正黑體" pitchFamily="34" charset="-120"/>
-                <a:ea typeface="微軟正黑體" pitchFamily="34" charset="-120"/>
+        </p:txBody>
+      </p:sp>
+      <p:sp>
+        <p:nvSpPr>
+          <p:cNvPr id="3" name="TextBox 2"/>
+          <p:cNvSpPr txBox="1"/>
+          <p:nvPr/>
+        </p:nvSpPr>
+        <p:spPr>
+          <a:xfrm>
+            <a:off x="0" y="5061182"/>
+            <a:ext cx="12192000" cy="830997"/>
+          </a:xfrm>
+          <a:prstGeom prst="rect">
+            <a:avLst/>
+          </a:prstGeom>
+          <a:noFill/>
+        </p:spPr>
+        <p:txBody>
+          <a:bodyPr wrap="square" rtlCol="0">
+            <a:spAutoFit/>
+          </a:bodyPr>
+          <a:lstStyle/>
+          <a:p>
+            <a:pPr algn="ctr"/>
+            <a:r>
+              <a:rPr lang="en-US" sz="4800" b="1" dirty="0">
+                <a:solidFill>
+                  <a:srgbClr val="660033"/>
+                </a:solidFill>
+                <a:effectLst/>
               </a:rPr>
-              <a:t>配</a:t>
-            </a:r>
-            <a:r>
-              <a:rPr lang="zh-TW" altLang="en-US" sz="5400" b="1" dirty="0">
-                <a:solidFill>
-                  <a:srgbClr val="000066"/>
-                </a:solidFill>
-                <a:latin typeface="微軟正黑體" pitchFamily="34" charset="-120"/>
-                <a:ea typeface="微軟正黑體" pitchFamily="34" charset="-120"/>
-              </a:rPr>
-              <a:t>得大</a:t>
-            </a:r>
-            <a:r>
-              <a:rPr lang="zh-TW" altLang="en-US" sz="5400" b="1" dirty="0">
-                <a:solidFill>
-                  <a:srgbClr val="000066"/>
-                </a:solidFill>
-                <a:latin typeface="微軟正黑體" pitchFamily="34" charset="-120"/>
-                <a:ea typeface="微軟正黑體" pitchFamily="34" charset="-120"/>
-              </a:rPr>
-              <a:t>讚美</a:t>
-            </a:r>
-            <a:endParaRPr lang="en-US" altLang="zh-TW" sz="5400" b="1" dirty="0">
+              <a:t>( 1 )</a:t>
+            </a:r>
+            <a:endParaRPr lang="vi-VN" sz="4800" b="1" dirty="0">
               <a:solidFill>
-                <a:srgbClr val="000066"/>
+                <a:srgbClr val="660033"/>
               </a:solidFill>
-              <a:latin typeface="微軟正黑體" pitchFamily="34" charset="-120"/>
-              <a:ea typeface="微軟正黑體" pitchFamily="34" charset="-120"/>
+              <a:effectLst/>
             </a:endParaRPr>
           </a:p>
-          <a:p>
-            <a:pPr algn="ctr">
-              <a:buNone/>
-            </a:pPr>
-            <a:r>
-              <a:rPr lang="zh-TW" altLang="en-US" sz="5400" b="1" dirty="0">
-                <a:solidFill>
-                  <a:srgbClr val="000066"/>
-                </a:solidFill>
-                <a:latin typeface="微軟正黑體" pitchFamily="34" charset="-120"/>
-                <a:ea typeface="微軟正黑體" pitchFamily="34" charset="-120"/>
-              </a:rPr>
-              <a:t>耶穌  神羔羊</a:t>
-            </a:r>
-            <a:endParaRPr lang="en-US" altLang="zh-TW" sz="5400" b="1" dirty="0">
-              <a:solidFill>
-                <a:srgbClr val="000066"/>
-              </a:solidFill>
-              <a:latin typeface="微軟正黑體" pitchFamily="34" charset="-120"/>
-              <a:ea typeface="微軟正黑體" pitchFamily="34" charset="-120"/>
-            </a:endParaRPr>
-          </a:p>
-          <a:p>
-            <a:pPr algn="ctr">
-              <a:buNone/>
-            </a:pPr>
-            <a:r>
-              <a:rPr lang="zh-TW" altLang="en-US" sz="5400" b="1" dirty="0">
-                <a:solidFill>
-                  <a:srgbClr val="000066"/>
-                </a:solidFill>
-                <a:latin typeface="微軟正黑體" pitchFamily="34" charset="-120"/>
-                <a:ea typeface="微軟正黑體" pitchFamily="34" charset="-120"/>
-              </a:rPr>
-              <a:t>配</a:t>
-            </a:r>
-            <a:r>
-              <a:rPr lang="zh-TW" altLang="en-US" sz="5400" b="1" dirty="0">
-                <a:solidFill>
-                  <a:srgbClr val="000066"/>
-                </a:solidFill>
-                <a:latin typeface="微軟正黑體" pitchFamily="34" charset="-120"/>
-                <a:ea typeface="微軟正黑體" pitchFamily="34" charset="-120"/>
-              </a:rPr>
-              <a:t>得大讚美</a:t>
-            </a:r>
-          </a:p>
         </p:txBody>
       </p:sp>
     </p:spTree>
+    <p:extLst>
+      <p:ext uri="{BB962C8B-B14F-4D97-AF65-F5344CB8AC3E}">
+        <p14:creationId xmlns:p14="http://schemas.microsoft.com/office/powerpoint/2010/main" val="2491159494"/>
+      </p:ext>
+    </p:extLst>
   </p:cSld>
   <p:clrMapOvr>
     <a:masterClrMapping/>
   </p:clrMapOvr>
-  <p:timing>
-    <p:tnLst>
-      <p:par>
-        <p:cTn id="1" dur="indefinite" restart="never" nodeType="tmRoot"/>
-      </p:par>
-    </p:tnLst>
-  </p:timing>
 </p:sld>
 </file>
 
@@ -3762,25 +3606,33 @@
       </p:grpSpPr>
       <p:sp>
         <p:nvSpPr>
-          <p:cNvPr id="6" name="標題 5"/>
-          <p:cNvSpPr>
-            <a:spLocks noGrp="1"/>
-          </p:cNvSpPr>
-          <p:nvPr>
-            <p:ph type="title"/>
-          </p:nvPr>
-        </p:nvSpPr>
-        <p:spPr/>
-        <p:txBody>
-          <a:bodyPr>
+          <p:cNvPr id="5" name="內容版面配置區 4"/>
+          <p:cNvSpPr>
+            <a:spLocks noGrp="1"/>
+          </p:cNvSpPr>
+          <p:nvPr>
+            <p:ph idx="1"/>
+          </p:nvPr>
+        </p:nvSpPr>
+        <p:spPr>
+          <a:xfrm>
+            <a:off x="0" y="2084851"/>
+            <a:ext cx="12192000" cy="2404863"/>
+          </a:xfrm>
+        </p:spPr>
+        <p:txBody>
+          <a:bodyPr anchor="ctr">
             <a:normAutofit/>
           </a:bodyPr>
           <a:lstStyle/>
           <a:p>
-            <a:r>
-              <a:rPr lang="zh-CN" altLang="en-US" b="1" dirty="0">
-                <a:solidFill>
-                  <a:srgbClr val="000066"/>
+            <a:pPr algn="ctr">
+              <a:buNone/>
+            </a:pPr>
+            <a:r>
+              <a:rPr lang="zh-CN" altLang="en-US" sz="6400" b="1" dirty="0">
+                <a:solidFill>
+                  <a:srgbClr val="660033"/>
                 </a:solidFill>
                 <a:latin typeface="微軟正黑體" pitchFamily="34" charset="-120"/>
                 <a:ea typeface="微軟正黑體" pitchFamily="34" charset="-120"/>
@@ -3788,28 +3640,18 @@
               <a:t>袮</a:t>
             </a:r>
             <a:r>
-              <a:rPr lang="zh-TW" altLang="en-US" b="1" dirty="0" smtClean="0">
-                <a:solidFill>
-                  <a:srgbClr val="000066"/>
+              <a:rPr lang="zh-TW" altLang="en-US" sz="6400" b="1" dirty="0">
+                <a:solidFill>
+                  <a:srgbClr val="660033"/>
                 </a:solidFill>
                 <a:latin typeface="微軟正黑體" pitchFamily="34" charset="-120"/>
                 <a:ea typeface="微軟正黑體" pitchFamily="34" charset="-120"/>
               </a:rPr>
-              <a:t>是</a:t>
-            </a:r>
-            <a:r>
-              <a:rPr lang="zh-TW" altLang="en-US" b="1" dirty="0" smtClean="0">
-                <a:solidFill>
-                  <a:srgbClr val="000066"/>
-                </a:solidFill>
-                <a:latin typeface="微軟正黑體" pitchFamily="34" charset="-120"/>
-                <a:ea typeface="微軟正黑體" pitchFamily="34" charset="-120"/>
-              </a:rPr>
-              <a:t>我的一切</a:t>
-            </a:r>
-            <a:endParaRPr lang="zh-TW" altLang="en-US" b="1" dirty="0">
+              <a:t>是我的一切</a:t>
+            </a:r>
+            <a:endParaRPr lang="en-US" altLang="zh-TW" sz="6400" b="1" dirty="0">
               <a:solidFill>
-                <a:srgbClr val="000066"/>
+                <a:srgbClr val="660033"/>
               </a:solidFill>
               <a:latin typeface="微軟正黑體" pitchFamily="34" charset="-120"/>
               <a:ea typeface="微軟正黑體" pitchFamily="34" charset="-120"/>
@@ -3819,367 +3661,55 @@
       </p:sp>
       <p:sp>
         <p:nvSpPr>
-          <p:cNvPr id="7" name="內容版面配置區 6"/>
-          <p:cNvSpPr>
-            <a:spLocks noGrp="1"/>
-          </p:cNvSpPr>
-          <p:nvPr>
-            <p:ph idx="1"/>
-          </p:nvPr>
+          <p:cNvPr id="3" name="TextBox 2"/>
+          <p:cNvSpPr txBox="1"/>
+          <p:nvPr/>
         </p:nvSpPr>
         <p:spPr>
           <a:xfrm>
-            <a:off x="0" y="1600201"/>
-            <a:ext cx="12192000" cy="4525963"/>
+            <a:off x="0" y="5061182"/>
+            <a:ext cx="12192000" cy="830997"/>
           </a:xfrm>
+          <a:prstGeom prst="rect">
+            <a:avLst/>
+          </a:prstGeom>
+          <a:noFill/>
         </p:spPr>
         <p:txBody>
-          <a:bodyPr>
-            <a:noAutofit/>
+          <a:bodyPr wrap="square" rtlCol="0">
+            <a:spAutoFit/>
           </a:bodyPr>
           <a:lstStyle/>
           <a:p>
-            <a:pPr algn="ctr">
-              <a:buNone/>
-            </a:pPr>
-            <a:r>
-              <a:rPr lang="zh-TW" altLang="en-US" sz="5400" b="1" dirty="0">
-                <a:solidFill>
-                  <a:srgbClr val="000066"/>
-                </a:solidFill>
-                <a:latin typeface="微軟正黑體" pitchFamily="34" charset="-120"/>
-                <a:ea typeface="微軟正黑體" pitchFamily="34" charset="-120"/>
+            <a:pPr algn="ctr"/>
+            <a:r>
+              <a:rPr lang="en-US" sz="4800" b="1" dirty="0">
+                <a:solidFill>
+                  <a:srgbClr val="660033"/>
+                </a:solidFill>
+                <a:effectLst/>
               </a:rPr>
-              <a:t>擔當我罪債和</a:t>
-            </a:r>
-            <a:r>
-              <a:rPr lang="zh-TW" altLang="en-US" sz="5400" b="1" dirty="0">
-                <a:solidFill>
-                  <a:srgbClr val="000066"/>
-                </a:solidFill>
-                <a:latin typeface="微軟正黑體" pitchFamily="34" charset="-120"/>
-                <a:ea typeface="微軟正黑體" pitchFamily="34" charset="-120"/>
-              </a:rPr>
-              <a:t>羞</a:t>
-            </a:r>
-            <a:r>
-              <a:rPr lang="zh-TW" altLang="en-US" sz="5400" b="1" dirty="0" smtClean="0">
-                <a:solidFill>
-                  <a:srgbClr val="000066"/>
-                </a:solidFill>
-                <a:latin typeface="微軟正黑體" pitchFamily="34" charset="-120"/>
-                <a:ea typeface="微軟正黑體" pitchFamily="34" charset="-120"/>
-              </a:rPr>
-              <a:t>辱</a:t>
-            </a:r>
-            <a:r>
-              <a:rPr lang="en-US" altLang="zh-TW" sz="5400" b="1" dirty="0" smtClean="0">
-                <a:solidFill>
-                  <a:srgbClr val="000066"/>
-                </a:solidFill>
-                <a:latin typeface="微軟正黑體" pitchFamily="34" charset="-120"/>
-                <a:ea typeface="微軟正黑體" pitchFamily="34" charset="-120"/>
-              </a:rPr>
-              <a:t>  </a:t>
-            </a:r>
-            <a:r>
-              <a:rPr lang="zh-TW" altLang="en-US" sz="5400" b="1" dirty="0" smtClean="0">
-                <a:solidFill>
-                  <a:srgbClr val="000066"/>
-                </a:solidFill>
-                <a:latin typeface="微軟正黑體" pitchFamily="34" charset="-120"/>
-                <a:ea typeface="微軟正黑體" pitchFamily="34" charset="-120"/>
-              </a:rPr>
-              <a:t>死</a:t>
-            </a:r>
-            <a:r>
-              <a:rPr lang="zh-TW" altLang="en-US" sz="5400" b="1" dirty="0">
-                <a:solidFill>
-                  <a:srgbClr val="000066"/>
-                </a:solidFill>
-                <a:latin typeface="微軟正黑體" pitchFamily="34" charset="-120"/>
-                <a:ea typeface="微軟正黑體" pitchFamily="34" charset="-120"/>
-              </a:rPr>
-              <a:t>裡復活我蒙救</a:t>
-            </a:r>
-            <a:r>
-              <a:rPr lang="zh-TW" altLang="en-US" sz="5400" b="1" dirty="0">
-                <a:solidFill>
-                  <a:srgbClr val="000066"/>
-                </a:solidFill>
-                <a:latin typeface="微軟正黑體" pitchFamily="34" charset="-120"/>
-                <a:ea typeface="微軟正黑體" pitchFamily="34" charset="-120"/>
-              </a:rPr>
-              <a:t>贖</a:t>
-            </a:r>
-            <a:endParaRPr lang="en-US" altLang="zh-TW" sz="5400" b="1" dirty="0">
+              <a:t>( 1 )</a:t>
+            </a:r>
+            <a:endParaRPr lang="vi-VN" sz="4800" b="1" dirty="0">
               <a:solidFill>
-                <a:srgbClr val="000066"/>
+                <a:srgbClr val="660033"/>
               </a:solidFill>
-              <a:latin typeface="微軟正黑體" pitchFamily="34" charset="-120"/>
-              <a:ea typeface="微軟正黑體" pitchFamily="34" charset="-120"/>
+              <a:effectLst/>
             </a:endParaRPr>
           </a:p>
-          <a:p>
-            <a:pPr algn="ctr">
-              <a:buNone/>
-            </a:pPr>
-            <a:r>
-              <a:rPr lang="zh-CN" altLang="en-US" sz="5400" b="1" dirty="0">
-                <a:solidFill>
-                  <a:srgbClr val="000066"/>
-                </a:solidFill>
-                <a:latin typeface="微軟正黑體" pitchFamily="34" charset="-120"/>
-                <a:ea typeface="微軟正黑體" pitchFamily="34" charset="-120"/>
-              </a:rPr>
-              <a:t>袮</a:t>
-            </a:r>
-            <a:r>
-              <a:rPr lang="zh-TW" altLang="en-US" sz="5400" b="1" dirty="0" smtClean="0">
-                <a:solidFill>
-                  <a:srgbClr val="000066"/>
-                </a:solidFill>
-                <a:latin typeface="微軟正黑體" pitchFamily="34" charset="-120"/>
-                <a:ea typeface="微軟正黑體" pitchFamily="34" charset="-120"/>
-              </a:rPr>
-              <a:t>是</a:t>
-            </a:r>
-            <a:r>
-              <a:rPr lang="zh-TW" altLang="en-US" sz="5400" b="1" dirty="0">
-                <a:solidFill>
-                  <a:srgbClr val="000066"/>
-                </a:solidFill>
-                <a:latin typeface="微軟正黑體" pitchFamily="34" charset="-120"/>
-                <a:ea typeface="微軟正黑體" pitchFamily="34" charset="-120"/>
-              </a:rPr>
-              <a:t>我的一</a:t>
-            </a:r>
-            <a:r>
-              <a:rPr lang="zh-TW" altLang="en-US" sz="5400" b="1" dirty="0" smtClean="0">
-                <a:solidFill>
-                  <a:srgbClr val="000066"/>
-                </a:solidFill>
-                <a:latin typeface="微軟正黑體" pitchFamily="34" charset="-120"/>
-                <a:ea typeface="微軟正黑體" pitchFamily="34" charset="-120"/>
-              </a:rPr>
-              <a:t>切</a:t>
-            </a:r>
-            <a:endParaRPr lang="en-US" altLang="zh-TW" sz="5400" b="1" dirty="0" smtClean="0">
-              <a:solidFill>
-                <a:srgbClr val="000066"/>
-              </a:solidFill>
-              <a:latin typeface="微軟正黑體" pitchFamily="34" charset="-120"/>
-              <a:ea typeface="微軟正黑體" pitchFamily="34" charset="-120"/>
-            </a:endParaRPr>
-          </a:p>
-          <a:p>
-            <a:pPr algn="ctr">
-              <a:buNone/>
-            </a:pPr>
-            <a:r>
-              <a:rPr lang="zh-TW" altLang="en-US" sz="5400" b="1" dirty="0">
-                <a:solidFill>
-                  <a:srgbClr val="000066"/>
-                </a:solidFill>
-                <a:latin typeface="微軟正黑體" pitchFamily="34" charset="-120"/>
-                <a:ea typeface="微軟正黑體" pitchFamily="34" charset="-120"/>
-              </a:rPr>
-              <a:t>當我跌</a:t>
-            </a:r>
-            <a:r>
-              <a:rPr lang="zh-TW" altLang="en-US" sz="5400" b="1" dirty="0" smtClean="0">
-                <a:solidFill>
-                  <a:srgbClr val="000066"/>
-                </a:solidFill>
-                <a:latin typeface="微軟正黑體" pitchFamily="34" charset="-120"/>
-                <a:ea typeface="微軟正黑體" pitchFamily="34" charset="-120"/>
-              </a:rPr>
-              <a:t>倒</a:t>
-            </a:r>
-            <a:r>
-              <a:rPr lang="zh-CN" altLang="en-US" sz="5400" b="1" dirty="0">
-                <a:solidFill>
-                  <a:srgbClr val="000066"/>
-                </a:solidFill>
-                <a:latin typeface="微軟正黑體" pitchFamily="34" charset="-120"/>
-                <a:ea typeface="微軟正黑體" pitchFamily="34" charset="-120"/>
-              </a:rPr>
-              <a:t>袮</a:t>
-            </a:r>
-            <a:r>
-              <a:rPr lang="zh-TW" altLang="en-US" sz="5400" b="1" dirty="0" smtClean="0">
-                <a:solidFill>
-                  <a:srgbClr val="000066"/>
-                </a:solidFill>
-                <a:latin typeface="微軟正黑體" pitchFamily="34" charset="-120"/>
-                <a:ea typeface="微軟正黑體" pitchFamily="34" charset="-120"/>
-              </a:rPr>
-              <a:t>扶</a:t>
-            </a:r>
-            <a:r>
-              <a:rPr lang="zh-TW" altLang="en-US" sz="5400" b="1" dirty="0">
-                <a:solidFill>
-                  <a:srgbClr val="000066"/>
-                </a:solidFill>
-                <a:latin typeface="微軟正黑體" pitchFamily="34" charset="-120"/>
-                <a:ea typeface="微軟正黑體" pitchFamily="34" charset="-120"/>
-              </a:rPr>
-              <a:t>持</a:t>
-            </a:r>
-            <a:r>
-              <a:rPr lang="zh-TW" altLang="en-US" sz="5400" b="1" dirty="0" smtClean="0">
-                <a:solidFill>
-                  <a:srgbClr val="000066"/>
-                </a:solidFill>
-                <a:latin typeface="微軟正黑體" pitchFamily="34" charset="-120"/>
-                <a:ea typeface="微軟正黑體" pitchFamily="34" charset="-120"/>
-              </a:rPr>
-              <a:t>我</a:t>
-            </a:r>
-            <a:r>
-              <a:rPr lang="en-US" altLang="zh-TW" sz="5400" b="1" dirty="0" smtClean="0">
-                <a:solidFill>
-                  <a:srgbClr val="000066"/>
-                </a:solidFill>
-                <a:latin typeface="微軟正黑體" pitchFamily="34" charset="-120"/>
-                <a:ea typeface="微軟正黑體" pitchFamily="34" charset="-120"/>
-              </a:rPr>
-              <a:t>  </a:t>
-            </a:r>
-            <a:r>
-              <a:rPr lang="zh-TW" altLang="en-US" sz="5400" b="1" dirty="0" smtClean="0">
-                <a:solidFill>
-                  <a:srgbClr val="000066"/>
-                </a:solidFill>
-                <a:latin typeface="微軟正黑體" pitchFamily="34" charset="-120"/>
-                <a:ea typeface="微軟正黑體" pitchFamily="34" charset="-120"/>
-              </a:rPr>
-              <a:t>當</a:t>
-            </a:r>
-            <a:r>
-              <a:rPr lang="zh-TW" altLang="en-US" sz="5400" b="1" dirty="0">
-                <a:solidFill>
-                  <a:srgbClr val="000066"/>
-                </a:solidFill>
-                <a:latin typeface="微軟正黑體" pitchFamily="34" charset="-120"/>
-                <a:ea typeface="微軟正黑體" pitchFamily="34" charset="-120"/>
-              </a:rPr>
-              <a:t>我乾</a:t>
-            </a:r>
-            <a:r>
-              <a:rPr lang="zh-TW" altLang="en-US" sz="5400" b="1" dirty="0" smtClean="0">
-                <a:solidFill>
-                  <a:srgbClr val="000066"/>
-                </a:solidFill>
-                <a:latin typeface="微軟正黑體" pitchFamily="34" charset="-120"/>
-                <a:ea typeface="微軟正黑體" pitchFamily="34" charset="-120"/>
-              </a:rPr>
-              <a:t>渴</a:t>
-            </a:r>
-            <a:r>
-              <a:rPr lang="zh-CN" altLang="en-US" sz="5400" b="1" dirty="0">
-                <a:solidFill>
-                  <a:srgbClr val="000066"/>
-                </a:solidFill>
-                <a:latin typeface="微軟正黑體" pitchFamily="34" charset="-120"/>
-                <a:ea typeface="微軟正黑體" pitchFamily="34" charset="-120"/>
-              </a:rPr>
-              <a:t>袮</a:t>
-            </a:r>
-            <a:r>
-              <a:rPr lang="zh-TW" altLang="en-US" sz="5400" b="1" dirty="0" smtClean="0">
-                <a:solidFill>
-                  <a:srgbClr val="000066"/>
-                </a:solidFill>
-                <a:latin typeface="微軟正黑體" pitchFamily="34" charset="-120"/>
-                <a:ea typeface="微軟正黑體" pitchFamily="34" charset="-120"/>
-              </a:rPr>
-              <a:t>充</a:t>
-            </a:r>
-            <a:r>
-              <a:rPr lang="zh-TW" altLang="en-US" sz="5400" b="1" dirty="0">
-                <a:solidFill>
-                  <a:srgbClr val="000066"/>
-                </a:solidFill>
-                <a:latin typeface="微軟正黑體" pitchFamily="34" charset="-120"/>
-                <a:ea typeface="微軟正黑體" pitchFamily="34" charset="-120"/>
-              </a:rPr>
-              <a:t>滿我</a:t>
-            </a:r>
-            <a:endParaRPr lang="en-US" altLang="zh-TW" sz="5400" b="1" dirty="0">
-              <a:solidFill>
-                <a:srgbClr val="000066"/>
-              </a:solidFill>
-              <a:latin typeface="微軟正黑體" pitchFamily="34" charset="-120"/>
-              <a:ea typeface="微軟正黑體" pitchFamily="34" charset="-120"/>
-            </a:endParaRPr>
-          </a:p>
-          <a:p>
-            <a:pPr algn="ctr">
-              <a:buNone/>
-            </a:pPr>
-            <a:r>
-              <a:rPr lang="zh-CN" altLang="en-US" sz="5400" b="1" dirty="0">
-                <a:solidFill>
-                  <a:srgbClr val="000066"/>
-                </a:solidFill>
-                <a:latin typeface="微軟正黑體" pitchFamily="34" charset="-120"/>
-                <a:ea typeface="微軟正黑體" pitchFamily="34" charset="-120"/>
-              </a:rPr>
-              <a:t>袮</a:t>
-            </a:r>
-            <a:r>
-              <a:rPr lang="zh-TW" altLang="en-US" sz="5400" b="1" dirty="0" smtClean="0">
-                <a:solidFill>
-                  <a:srgbClr val="000066"/>
-                </a:solidFill>
-                <a:latin typeface="微軟正黑體" pitchFamily="34" charset="-120"/>
-                <a:ea typeface="微軟正黑體" pitchFamily="34" charset="-120"/>
-              </a:rPr>
-              <a:t>是</a:t>
-            </a:r>
-            <a:r>
-              <a:rPr lang="zh-TW" altLang="en-US" sz="5400" b="1" dirty="0">
-                <a:solidFill>
-                  <a:srgbClr val="000066"/>
-                </a:solidFill>
-                <a:latin typeface="微軟正黑體" pitchFamily="34" charset="-120"/>
-                <a:ea typeface="微軟正黑體" pitchFamily="34" charset="-120"/>
-              </a:rPr>
-              <a:t>我的一</a:t>
-            </a:r>
-            <a:r>
-              <a:rPr lang="zh-TW" altLang="en-US" sz="5400" b="1" dirty="0" smtClean="0">
-                <a:solidFill>
-                  <a:srgbClr val="000066"/>
-                </a:solidFill>
-                <a:latin typeface="微軟正黑體" pitchFamily="34" charset="-120"/>
-                <a:ea typeface="微軟正黑體" pitchFamily="34" charset="-120"/>
-              </a:rPr>
-              <a:t>切</a:t>
-            </a:r>
-            <a:endParaRPr lang="zh-TW" altLang="en-US" sz="5400" b="1" dirty="0">
-              <a:solidFill>
-                <a:srgbClr val="000066"/>
-              </a:solidFill>
-              <a:latin typeface="微軟正黑體" pitchFamily="34" charset="-120"/>
-              <a:ea typeface="微軟正黑體" pitchFamily="34" charset="-120"/>
-            </a:endParaRPr>
-          </a:p>
         </p:txBody>
       </p:sp>
     </p:spTree>
+    <p:extLst>
+      <p:ext uri="{BB962C8B-B14F-4D97-AF65-F5344CB8AC3E}">
+        <p14:creationId xmlns:p14="http://schemas.microsoft.com/office/powerpoint/2010/main" val="3012962843"/>
+      </p:ext>
+    </p:extLst>
   </p:cSld>
   <p:clrMapOvr>
     <a:masterClrMapping/>
   </p:clrMapOvr>
-  <p:timing>
-    <p:tnLst>
-      <p:par>
-        <p:cTn id="1" dur="indefinite" restart="never" nodeType="tmRoot"/>
-      </p:par>
-    </p:tnLst>
-  </p:timing>
 </p:sld>
 </file>
 
@@ -4202,25 +3732,33 @@
       </p:grpSpPr>
       <p:sp>
         <p:nvSpPr>
-          <p:cNvPr id="6" name="標題 5"/>
-          <p:cNvSpPr>
-            <a:spLocks noGrp="1"/>
-          </p:cNvSpPr>
-          <p:nvPr>
-            <p:ph type="title"/>
-          </p:nvPr>
-        </p:nvSpPr>
-        <p:spPr/>
-        <p:txBody>
-          <a:bodyPr>
+          <p:cNvPr id="5" name="內容版面配置區 4"/>
+          <p:cNvSpPr>
+            <a:spLocks noGrp="1"/>
+          </p:cNvSpPr>
+          <p:nvPr>
+            <p:ph idx="1"/>
+          </p:nvPr>
+        </p:nvSpPr>
+        <p:spPr>
+          <a:xfrm>
+            <a:off x="0" y="2084851"/>
+            <a:ext cx="12192000" cy="2404863"/>
+          </a:xfrm>
+        </p:spPr>
+        <p:txBody>
+          <a:bodyPr anchor="ctr">
             <a:normAutofit/>
           </a:bodyPr>
           <a:lstStyle/>
           <a:p>
-            <a:r>
-              <a:rPr lang="zh-CN" altLang="en-US" b="1" dirty="0">
-                <a:solidFill>
-                  <a:srgbClr val="000066"/>
+            <a:pPr algn="ctr">
+              <a:buNone/>
+            </a:pPr>
+            <a:r>
+              <a:rPr lang="zh-CN" altLang="en-US" sz="6400" b="1" dirty="0">
+                <a:solidFill>
+                  <a:srgbClr val="660033"/>
                 </a:solidFill>
                 <a:latin typeface="微軟正黑體" pitchFamily="34" charset="-120"/>
                 <a:ea typeface="微軟正黑體" pitchFamily="34" charset="-120"/>
@@ -4228,38 +3766,171 @@
               <a:t>袮</a:t>
             </a:r>
             <a:r>
-              <a:rPr lang="zh-TW" altLang="en-US" b="1" dirty="0" smtClean="0">
-                <a:solidFill>
-                  <a:srgbClr val="000066"/>
+              <a:rPr lang="zh-TW" altLang="en-US" sz="6400" b="1" dirty="0">
+                <a:solidFill>
+                  <a:srgbClr val="660033"/>
                 </a:solidFill>
                 <a:latin typeface="微軟正黑體" pitchFamily="34" charset="-120"/>
                 <a:ea typeface="微軟正黑體" pitchFamily="34" charset="-120"/>
               </a:rPr>
-              <a:t>是</a:t>
-            </a:r>
-            <a:r>
-              <a:rPr lang="zh-TW" altLang="en-US" b="1" dirty="0" smtClean="0">
-                <a:solidFill>
-                  <a:srgbClr val="000066"/>
+              <a:t>好比珍貴的</a:t>
+            </a:r>
+            <a:r>
+              <a:rPr lang="zh-CN" altLang="en-US" sz="6400" b="1" dirty="0">
+                <a:solidFill>
+                  <a:srgbClr val="660033"/>
                 </a:solidFill>
                 <a:latin typeface="微軟正黑體" pitchFamily="34" charset="-120"/>
                 <a:ea typeface="微軟正黑體" pitchFamily="34" charset="-120"/>
               </a:rPr>
-              <a:t>我的一切</a:t>
-            </a:r>
-            <a:endParaRPr lang="zh-TW" altLang="en-US" b="1" dirty="0">
+              <a:t>珠</a:t>
+            </a:r>
+            <a:r>
+              <a:rPr lang="zh-TW" altLang="en-US" sz="6400" b="1" dirty="0">
+                <a:solidFill>
+                  <a:srgbClr val="660033"/>
+                </a:solidFill>
+                <a:latin typeface="微軟正黑體" pitchFamily="34" charset="-120"/>
+                <a:ea typeface="微軟正黑體" pitchFamily="34" charset="-120"/>
+              </a:rPr>
+              <a:t>寶</a:t>
+            </a:r>
+            <a:endParaRPr lang="en-US" altLang="zh-TW" sz="6400" b="1" dirty="0">
               <a:solidFill>
-                <a:srgbClr val="000066"/>
+                <a:srgbClr val="660033"/>
               </a:solidFill>
               <a:latin typeface="微軟正黑體" pitchFamily="34" charset="-120"/>
               <a:ea typeface="微軟正黑體" pitchFamily="34" charset="-120"/>
             </a:endParaRPr>
           </a:p>
-        </p:txBody>
-      </p:sp>
-      <p:sp>
-        <p:nvSpPr>
-          <p:cNvPr id="7" name="內容版面配置區 6"/>
+          <a:p>
+            <a:pPr algn="ctr">
+              <a:buNone/>
+            </a:pPr>
+            <a:r>
+              <a:rPr lang="zh-TW" altLang="en-US" sz="6400" b="1" dirty="0">
+                <a:solidFill>
+                  <a:srgbClr val="660033"/>
+                </a:solidFill>
+                <a:latin typeface="微軟正黑體" pitchFamily="34" charset="-120"/>
+                <a:ea typeface="微軟正黑體" pitchFamily="34" charset="-120"/>
+              </a:rPr>
+              <a:t>我</a:t>
+            </a:r>
+            <a:r>
+              <a:rPr lang="zh-TW" altLang="en-US" sz="6400" b="1" dirty="0">
+                <a:solidFill>
+                  <a:srgbClr val="660033"/>
+                </a:solidFill>
+                <a:latin typeface="微軟正黑體" pitchFamily="34" charset="-120"/>
+                <a:ea typeface="微軟正黑體" pitchFamily="34" charset="-120"/>
+              </a:rPr>
+              <a:t>怎能放棄</a:t>
+            </a:r>
+            <a:r>
+              <a:rPr lang="zh-CN" altLang="en-US" sz="6400" b="1" dirty="0">
+                <a:solidFill>
+                  <a:srgbClr val="660033"/>
+                </a:solidFill>
+                <a:latin typeface="微軟正黑體" pitchFamily="34" charset="-120"/>
+                <a:ea typeface="微軟正黑體" pitchFamily="34" charset="-120"/>
+              </a:rPr>
+              <a:t>袮</a:t>
+            </a:r>
+            <a:r>
+              <a:rPr lang="zh-TW" altLang="en-US" sz="6400" b="1" dirty="0">
+                <a:solidFill>
+                  <a:srgbClr val="660033"/>
+                </a:solidFill>
+                <a:latin typeface="微軟正黑體" pitchFamily="34" charset="-120"/>
+                <a:ea typeface="微軟正黑體" pitchFamily="34" charset="-120"/>
+              </a:rPr>
+              <a:t>不要</a:t>
+            </a:r>
+            <a:endParaRPr lang="en-US" altLang="zh-TW" sz="6400" b="1" dirty="0">
+              <a:solidFill>
+                <a:srgbClr val="660033"/>
+              </a:solidFill>
+              <a:latin typeface="微軟正黑體" pitchFamily="34" charset="-120"/>
+              <a:ea typeface="微軟正黑體" pitchFamily="34" charset="-120"/>
+            </a:endParaRPr>
+          </a:p>
+        </p:txBody>
+      </p:sp>
+      <p:sp>
+        <p:nvSpPr>
+          <p:cNvPr id="3" name="TextBox 2"/>
+          <p:cNvSpPr txBox="1"/>
+          <p:nvPr/>
+        </p:nvSpPr>
+        <p:spPr>
+          <a:xfrm>
+            <a:off x="0" y="5061182"/>
+            <a:ext cx="12192000" cy="830997"/>
+          </a:xfrm>
+          <a:prstGeom prst="rect">
+            <a:avLst/>
+          </a:prstGeom>
+          <a:noFill/>
+        </p:spPr>
+        <p:txBody>
+          <a:bodyPr wrap="square" rtlCol="0">
+            <a:spAutoFit/>
+          </a:bodyPr>
+          <a:lstStyle/>
+          <a:p>
+            <a:pPr algn="ctr"/>
+            <a:r>
+              <a:rPr lang="en-US" sz="4800" b="1" dirty="0">
+                <a:solidFill>
+                  <a:srgbClr val="660033"/>
+                </a:solidFill>
+                <a:effectLst/>
+              </a:rPr>
+              <a:t>( 1 )</a:t>
+            </a:r>
+            <a:endParaRPr lang="vi-VN" sz="4800" b="1" dirty="0">
+              <a:solidFill>
+                <a:srgbClr val="660033"/>
+              </a:solidFill>
+              <a:effectLst/>
+            </a:endParaRPr>
+          </a:p>
+        </p:txBody>
+      </p:sp>
+    </p:spTree>
+    <p:extLst>
+      <p:ext uri="{BB962C8B-B14F-4D97-AF65-F5344CB8AC3E}">
+        <p14:creationId xmlns:p14="http://schemas.microsoft.com/office/powerpoint/2010/main" val="2757221434"/>
+      </p:ext>
+    </p:extLst>
+  </p:cSld>
+  <p:clrMapOvr>
+    <a:masterClrMapping/>
+  </p:clrMapOvr>
+</p:sld>
+</file>
+
+<file path=ppt/slides/slide5.xml><?xml version="1.0" encoding="utf-8"?>
+<p:sld xmlns:a="http://schemas.openxmlformats.org/drawingml/2006/main" xmlns:r="http://schemas.openxmlformats.org/officeDocument/2006/relationships" xmlns:p="http://schemas.openxmlformats.org/presentationml/2006/main">
+  <p:cSld>
+    <p:spTree>
+      <p:nvGrpSpPr>
+        <p:cNvPr id="1" name=""/>
+        <p:cNvGrpSpPr/>
+        <p:nvPr/>
+      </p:nvGrpSpPr>
+      <p:grpSpPr>
+        <a:xfrm>
+          <a:off x="0" y="0"/>
+          <a:ext cx="0" cy="0"/>
+          <a:chOff x="0" y="0"/>
+          <a:chExt cx="0" cy="0"/>
+        </a:xfrm>
+      </p:grpSpPr>
+      <p:sp>
+        <p:nvSpPr>
+          <p:cNvPr id="5" name="內容版面配置區 4"/>
           <p:cNvSpPr>
             <a:spLocks noGrp="1"/>
           </p:cNvSpPr>
@@ -4267,10 +3938,15 @@
             <p:ph idx="1"/>
           </p:nvPr>
         </p:nvSpPr>
-        <p:spPr/>
-        <p:txBody>
-          <a:bodyPr>
-            <a:noAutofit/>
+        <p:spPr>
+          <a:xfrm>
+            <a:off x="0" y="2084851"/>
+            <a:ext cx="12192000" cy="2404863"/>
+          </a:xfrm>
+        </p:spPr>
+        <p:txBody>
+          <a:bodyPr anchor="ctr">
+            <a:normAutofit/>
           </a:bodyPr>
           <a:lstStyle/>
           <a:p>
@@ -4278,18 +3954,164 @@
               <a:buNone/>
             </a:pPr>
             <a:r>
-              <a:rPr lang="zh-TW" altLang="en-US" sz="5400" b="1" dirty="0">
-                <a:solidFill>
-                  <a:srgbClr val="000066"/>
+              <a:rPr lang="zh-CN" altLang="en-US" sz="6400" b="1" dirty="0">
+                <a:solidFill>
+                  <a:srgbClr val="660033"/>
+                </a:solidFill>
+                <a:latin typeface="微軟正黑體" pitchFamily="34" charset="-120"/>
+                <a:ea typeface="微軟正黑體" pitchFamily="34" charset="-120"/>
+              </a:rPr>
+              <a:t>袮</a:t>
+            </a:r>
+            <a:r>
+              <a:rPr lang="zh-TW" altLang="en-US" sz="6400" b="1" dirty="0">
+                <a:solidFill>
+                  <a:srgbClr val="660033"/>
+                </a:solidFill>
+                <a:latin typeface="微軟正黑體" pitchFamily="34" charset="-120"/>
+                <a:ea typeface="微軟正黑體" pitchFamily="34" charset="-120"/>
+              </a:rPr>
+              <a:t>是我的一切</a:t>
+            </a:r>
+            <a:endParaRPr lang="en-US" altLang="zh-TW" sz="6400" b="1" dirty="0">
+              <a:solidFill>
+                <a:srgbClr val="660033"/>
+              </a:solidFill>
+              <a:latin typeface="微軟正黑體" pitchFamily="34" charset="-120"/>
+              <a:ea typeface="微軟正黑體" pitchFamily="34" charset="-120"/>
+            </a:endParaRPr>
+          </a:p>
+        </p:txBody>
+      </p:sp>
+      <p:sp>
+        <p:nvSpPr>
+          <p:cNvPr id="3" name="TextBox 2"/>
+          <p:cNvSpPr txBox="1"/>
+          <p:nvPr/>
+        </p:nvSpPr>
+        <p:spPr>
+          <a:xfrm>
+            <a:off x="0" y="5061182"/>
+            <a:ext cx="12192000" cy="830997"/>
+          </a:xfrm>
+          <a:prstGeom prst="rect">
+            <a:avLst/>
+          </a:prstGeom>
+          <a:noFill/>
+        </p:spPr>
+        <p:txBody>
+          <a:bodyPr wrap="square" rtlCol="0">
+            <a:spAutoFit/>
+          </a:bodyPr>
+          <a:lstStyle/>
+          <a:p>
+            <a:pPr algn="ctr"/>
+            <a:r>
+              <a:rPr lang="en-US" sz="4800" b="1" dirty="0">
+                <a:solidFill>
+                  <a:srgbClr val="660033"/>
+                </a:solidFill>
+                <a:effectLst/>
+              </a:rPr>
+              <a:t>( 1 )</a:t>
+            </a:r>
+            <a:endParaRPr lang="vi-VN" sz="4800" b="1" dirty="0">
+              <a:solidFill>
+                <a:srgbClr val="660033"/>
+              </a:solidFill>
+              <a:effectLst/>
+            </a:endParaRPr>
+          </a:p>
+        </p:txBody>
+      </p:sp>
+    </p:spTree>
+    <p:extLst>
+      <p:ext uri="{BB962C8B-B14F-4D97-AF65-F5344CB8AC3E}">
+        <p14:creationId xmlns:p14="http://schemas.microsoft.com/office/powerpoint/2010/main" val="3790283208"/>
+      </p:ext>
+    </p:extLst>
+  </p:cSld>
+  <p:clrMapOvr>
+    <a:masterClrMapping/>
+  </p:clrMapOvr>
+</p:sld>
+</file>
+
+<file path=ppt/slides/slide6.xml><?xml version="1.0" encoding="utf-8"?>
+<p:sld xmlns:a="http://schemas.openxmlformats.org/drawingml/2006/main" xmlns:r="http://schemas.openxmlformats.org/officeDocument/2006/relationships" xmlns:p="http://schemas.openxmlformats.org/presentationml/2006/main">
+  <p:cSld>
+    <p:spTree>
+      <p:nvGrpSpPr>
+        <p:cNvPr id="1" name=""/>
+        <p:cNvGrpSpPr/>
+        <p:nvPr/>
+      </p:nvGrpSpPr>
+      <p:grpSpPr>
+        <a:xfrm>
+          <a:off x="0" y="0"/>
+          <a:ext cx="0" cy="0"/>
+          <a:chOff x="0" y="0"/>
+          <a:chExt cx="0" cy="0"/>
+        </a:xfrm>
+      </p:grpSpPr>
+      <p:sp>
+        <p:nvSpPr>
+          <p:cNvPr id="5" name="內容版面配置區 4"/>
+          <p:cNvSpPr>
+            <a:spLocks noGrp="1"/>
+          </p:cNvSpPr>
+          <p:nvPr>
+            <p:ph idx="1"/>
+          </p:nvPr>
+        </p:nvSpPr>
+        <p:spPr>
+          <a:xfrm>
+            <a:off x="0" y="2084851"/>
+            <a:ext cx="12192000" cy="2404863"/>
+          </a:xfrm>
+        </p:spPr>
+        <p:txBody>
+          <a:bodyPr anchor="ctr">
+            <a:normAutofit/>
+          </a:bodyPr>
+          <a:lstStyle/>
+          <a:p>
+            <a:pPr algn="ctr">
+              <a:buNone/>
+            </a:pPr>
+            <a:r>
+              <a:rPr lang="zh-TW" altLang="en-US" sz="6400" b="1" dirty="0">
+                <a:solidFill>
+                  <a:srgbClr val="660033"/>
                 </a:solidFill>
                 <a:latin typeface="微軟正黑體" pitchFamily="34" charset="-120"/>
                 <a:ea typeface="微軟正黑體" pitchFamily="34" charset="-120"/>
               </a:rPr>
               <a:t>耶穌  神羔羊</a:t>
             </a:r>
-            <a:endParaRPr lang="en-US" altLang="zh-TW" sz="5400" b="1" dirty="0">
+            <a:r>
+              <a:rPr lang="en-US" altLang="zh-TW" sz="6400" b="1" dirty="0">
+                <a:solidFill>
+                  <a:srgbClr val="660033"/>
+                </a:solidFill>
+                <a:latin typeface="微軟正黑體" pitchFamily="34" charset="-120"/>
+                <a:ea typeface="微軟正黑體" pitchFamily="34" charset="-120"/>
+              </a:rPr>
+              <a:t>  </a:t>
+            </a:r>
+            <a:r>
+              <a:rPr lang="zh-TW" altLang="en-US" sz="6400" b="1" dirty="0">
+                <a:solidFill>
+                  <a:srgbClr val="660033"/>
+                </a:solidFill>
+                <a:latin typeface="微軟正黑體" pitchFamily="34" charset="-120"/>
+                <a:ea typeface="微軟正黑體" pitchFamily="34" charset="-120"/>
+              </a:rPr>
+              <a:t>配得大讚美</a:t>
+            </a:r>
+            <a:endParaRPr lang="en-US" altLang="zh-TW" sz="6400" b="1" dirty="0">
               <a:solidFill>
-                <a:srgbClr val="000066"/>
+                <a:srgbClr val="660033"/>
               </a:solidFill>
               <a:latin typeface="微軟正黑體" pitchFamily="34" charset="-120"/>
               <a:ea typeface="微軟正黑體" pitchFamily="34" charset="-120"/>
@@ -4300,60 +4122,113 @@
               <a:buNone/>
             </a:pPr>
             <a:r>
-              <a:rPr lang="zh-TW" altLang="en-US" sz="5400" b="1" dirty="0">
-                <a:solidFill>
-                  <a:srgbClr val="000066"/>
+              <a:rPr lang="zh-TW" altLang="en-US" sz="6400" b="1" dirty="0">
+                <a:solidFill>
+                  <a:srgbClr val="660033"/>
                 </a:solidFill>
                 <a:latin typeface="微軟正黑體" pitchFamily="34" charset="-120"/>
                 <a:ea typeface="微軟正黑體" pitchFamily="34" charset="-120"/>
               </a:rPr>
-              <a:t>配</a:t>
-            </a:r>
-            <a:r>
-              <a:rPr lang="zh-TW" altLang="en-US" sz="5400" b="1" dirty="0">
-                <a:solidFill>
-                  <a:srgbClr val="000066"/>
+              <a:t>耶穌  神羔羊</a:t>
+            </a:r>
+            <a:r>
+              <a:rPr lang="en-US" altLang="zh-TW" sz="6400" b="1" dirty="0">
+                <a:solidFill>
+                  <a:srgbClr val="660033"/>
                 </a:solidFill>
                 <a:latin typeface="微軟正黑體" pitchFamily="34" charset="-120"/>
                 <a:ea typeface="微軟正黑體" pitchFamily="34" charset="-120"/>
               </a:rPr>
-              <a:t>得大</a:t>
-            </a:r>
-            <a:r>
-              <a:rPr lang="zh-TW" altLang="en-US" sz="5400" b="1" dirty="0">
-                <a:solidFill>
-                  <a:srgbClr val="000066"/>
+              <a:t>  </a:t>
+            </a:r>
+            <a:r>
+              <a:rPr lang="zh-TW" altLang="en-US" sz="6400" b="1" dirty="0">
+                <a:solidFill>
+                  <a:srgbClr val="660033"/>
                 </a:solidFill>
                 <a:latin typeface="微軟正黑體" pitchFamily="34" charset="-120"/>
                 <a:ea typeface="微軟正黑體" pitchFamily="34" charset="-120"/>
               </a:rPr>
-              <a:t>讚美</a:t>
-            </a:r>
-            <a:endParaRPr lang="en-US" altLang="zh-TW" sz="5400" b="1" dirty="0">
+              <a:t>配得大讚美</a:t>
+            </a:r>
+            <a:endParaRPr lang="zh-TW" altLang="en-US" sz="6400" b="1" dirty="0">
               <a:solidFill>
-                <a:srgbClr val="000066"/>
+                <a:srgbClr val="660033"/>
               </a:solidFill>
               <a:latin typeface="微軟正黑體" pitchFamily="34" charset="-120"/>
               <a:ea typeface="微軟正黑體" pitchFamily="34" charset="-120"/>
             </a:endParaRPr>
           </a:p>
+        </p:txBody>
+      </p:sp>
+    </p:spTree>
+    <p:extLst>
+      <p:ext uri="{BB962C8B-B14F-4D97-AF65-F5344CB8AC3E}">
+        <p14:creationId xmlns:p14="http://schemas.microsoft.com/office/powerpoint/2010/main" val="537820582"/>
+      </p:ext>
+    </p:extLst>
+  </p:cSld>
+  <p:clrMapOvr>
+    <a:masterClrMapping/>
+  </p:clrMapOvr>
+</p:sld>
+</file>
+
+<file path=ppt/slides/slide7.xml><?xml version="1.0" encoding="utf-8"?>
+<p:sld xmlns:a="http://schemas.openxmlformats.org/drawingml/2006/main" xmlns:r="http://schemas.openxmlformats.org/officeDocument/2006/relationships" xmlns:p="http://schemas.openxmlformats.org/presentationml/2006/main">
+  <p:cSld>
+    <p:spTree>
+      <p:nvGrpSpPr>
+        <p:cNvPr id="1" name=""/>
+        <p:cNvGrpSpPr/>
+        <p:nvPr/>
+      </p:nvGrpSpPr>
+      <p:grpSpPr>
+        <a:xfrm>
+          <a:off x="0" y="0"/>
+          <a:ext cx="0" cy="0"/>
+          <a:chOff x="0" y="0"/>
+          <a:chExt cx="0" cy="0"/>
+        </a:xfrm>
+      </p:grpSpPr>
+      <p:sp>
+        <p:nvSpPr>
+          <p:cNvPr id="5" name="內容版面配置區 4"/>
+          <p:cNvSpPr>
+            <a:spLocks noGrp="1"/>
+          </p:cNvSpPr>
+          <p:nvPr>
+            <p:ph idx="1"/>
+          </p:nvPr>
+        </p:nvSpPr>
+        <p:spPr>
+          <a:xfrm>
+            <a:off x="0" y="2084851"/>
+            <a:ext cx="12192000" cy="2404863"/>
+          </a:xfrm>
+        </p:spPr>
+        <p:txBody>
+          <a:bodyPr anchor="ctr">
+            <a:normAutofit/>
+          </a:bodyPr>
+          <a:lstStyle/>
           <a:p>
             <a:pPr algn="ctr">
               <a:buNone/>
             </a:pPr>
             <a:r>
-              <a:rPr lang="zh-TW" altLang="en-US" sz="5400" b="1" dirty="0">
-                <a:solidFill>
-                  <a:srgbClr val="000066"/>
+              <a:rPr lang="zh-TW" altLang="en-US" sz="6400" b="1" dirty="0">
+                <a:solidFill>
+                  <a:srgbClr val="660033"/>
                 </a:solidFill>
                 <a:latin typeface="微軟正黑體" pitchFamily="34" charset="-120"/>
                 <a:ea typeface="微軟正黑體" pitchFamily="34" charset="-120"/>
               </a:rPr>
-              <a:t>耶穌  神羔羊</a:t>
-            </a:r>
-            <a:endParaRPr lang="en-US" altLang="zh-TW" sz="5400" b="1" dirty="0">
+              <a:t>擔當我罪債和羞辱</a:t>
+            </a:r>
+            <a:endParaRPr lang="en-US" altLang="zh-TW" sz="6400" b="1" dirty="0">
               <a:solidFill>
-                <a:srgbClr val="000066"/>
+                <a:srgbClr val="660033"/>
               </a:solidFill>
               <a:latin typeface="微軟正黑體" pitchFamily="34" charset="-120"/>
               <a:ea typeface="微軟正黑體" pitchFamily="34" charset="-120"/>
@@ -4364,40 +4239,380 @@
               <a:buNone/>
             </a:pPr>
             <a:r>
-              <a:rPr lang="zh-TW" altLang="en-US" sz="5400" b="1" dirty="0">
-                <a:solidFill>
-                  <a:srgbClr val="000066"/>
+              <a:rPr lang="zh-TW" altLang="en-US" sz="6400" b="1" dirty="0">
+                <a:solidFill>
+                  <a:srgbClr val="660033"/>
                 </a:solidFill>
                 <a:latin typeface="微軟正黑體" pitchFamily="34" charset="-120"/>
                 <a:ea typeface="微軟正黑體" pitchFamily="34" charset="-120"/>
               </a:rPr>
-              <a:t>配</a:t>
-            </a:r>
-            <a:r>
-              <a:rPr lang="zh-TW" altLang="en-US" sz="5400" b="1" dirty="0">
-                <a:solidFill>
-                  <a:srgbClr val="000066"/>
-                </a:solidFill>
-                <a:latin typeface="微軟正黑體" pitchFamily="34" charset="-120"/>
-                <a:ea typeface="微軟正黑體" pitchFamily="34" charset="-120"/>
+              <a:t>死裡復活我蒙救贖</a:t>
+            </a:r>
+            <a:endParaRPr lang="en-US" altLang="zh-TW" sz="6400" b="1" dirty="0">
+              <a:solidFill>
+                <a:srgbClr val="660033"/>
+              </a:solidFill>
+              <a:latin typeface="微軟正黑體" pitchFamily="34" charset="-120"/>
+              <a:ea typeface="微軟正黑體" pitchFamily="34" charset="-120"/>
+            </a:endParaRPr>
+          </a:p>
+        </p:txBody>
+      </p:sp>
+      <p:sp>
+        <p:nvSpPr>
+          <p:cNvPr id="3" name="TextBox 2"/>
+          <p:cNvSpPr txBox="1"/>
+          <p:nvPr/>
+        </p:nvSpPr>
+        <p:spPr>
+          <a:xfrm>
+            <a:off x="0" y="5061182"/>
+            <a:ext cx="12192000" cy="830997"/>
+          </a:xfrm>
+          <a:prstGeom prst="rect">
+            <a:avLst/>
+          </a:prstGeom>
+          <a:noFill/>
+        </p:spPr>
+        <p:txBody>
+          <a:bodyPr wrap="square" rtlCol="0">
+            <a:spAutoFit/>
+          </a:bodyPr>
+          <a:lstStyle/>
+          <a:p>
+            <a:pPr algn="ctr"/>
+            <a:r>
+              <a:rPr lang="en-US" sz="4800" b="1" dirty="0">
+                <a:solidFill>
+                  <a:srgbClr val="660033"/>
+                </a:solidFill>
+                <a:effectLst/>
               </a:rPr>
-              <a:t>得大讚美</a:t>
-            </a:r>
+              <a:t>( 2 )</a:t>
+            </a:r>
+            <a:endParaRPr lang="vi-VN" sz="4800" b="1" dirty="0">
+              <a:solidFill>
+                <a:srgbClr val="660033"/>
+              </a:solidFill>
+              <a:effectLst/>
+            </a:endParaRPr>
           </a:p>
         </p:txBody>
       </p:sp>
     </p:spTree>
+    <p:extLst>
+      <p:ext uri="{BB962C8B-B14F-4D97-AF65-F5344CB8AC3E}">
+        <p14:creationId xmlns:p14="http://schemas.microsoft.com/office/powerpoint/2010/main" val="1723566863"/>
+      </p:ext>
+    </p:extLst>
   </p:cSld>
   <p:clrMapOvr>
     <a:masterClrMapping/>
   </p:clrMapOvr>
-  <p:timing>
-    <p:tnLst>
-      <p:par>
-        <p:cTn id="1" dur="indefinite" restart="never" nodeType="tmRoot"/>
-      </p:par>
-    </p:tnLst>
-  </p:timing>
+</p:sld>
+</file>
+
+<file path=ppt/slides/slide8.xml><?xml version="1.0" encoding="utf-8"?>
+<p:sld xmlns:a="http://schemas.openxmlformats.org/drawingml/2006/main" xmlns:r="http://schemas.openxmlformats.org/officeDocument/2006/relationships" xmlns:p="http://schemas.openxmlformats.org/presentationml/2006/main">
+  <p:cSld>
+    <p:spTree>
+      <p:nvGrpSpPr>
+        <p:cNvPr id="1" name=""/>
+        <p:cNvGrpSpPr/>
+        <p:nvPr/>
+      </p:nvGrpSpPr>
+      <p:grpSpPr>
+        <a:xfrm>
+          <a:off x="0" y="0"/>
+          <a:ext cx="0" cy="0"/>
+          <a:chOff x="0" y="0"/>
+          <a:chExt cx="0" cy="0"/>
+        </a:xfrm>
+      </p:grpSpPr>
+      <p:sp>
+        <p:nvSpPr>
+          <p:cNvPr id="5" name="內容版面配置區 4"/>
+          <p:cNvSpPr>
+            <a:spLocks noGrp="1"/>
+          </p:cNvSpPr>
+          <p:nvPr>
+            <p:ph idx="1"/>
+          </p:nvPr>
+        </p:nvSpPr>
+        <p:spPr>
+          <a:xfrm>
+            <a:off x="0" y="2084851"/>
+            <a:ext cx="12192000" cy="2404863"/>
+          </a:xfrm>
+        </p:spPr>
+        <p:txBody>
+          <a:bodyPr anchor="ctr">
+            <a:normAutofit/>
+          </a:bodyPr>
+          <a:lstStyle/>
+          <a:p>
+            <a:pPr algn="ctr">
+              <a:buNone/>
+            </a:pPr>
+            <a:r>
+              <a:rPr lang="zh-CN" altLang="en-US" sz="6400" b="1" dirty="0">
+                <a:solidFill>
+                  <a:srgbClr val="660033"/>
+                </a:solidFill>
+                <a:latin typeface="微軟正黑體" pitchFamily="34" charset="-120"/>
+                <a:ea typeface="微軟正黑體" pitchFamily="34" charset="-120"/>
+              </a:rPr>
+              <a:t>袮</a:t>
+            </a:r>
+            <a:r>
+              <a:rPr lang="zh-TW" altLang="en-US" sz="6400" b="1" dirty="0">
+                <a:solidFill>
+                  <a:srgbClr val="660033"/>
+                </a:solidFill>
+                <a:latin typeface="微軟正黑體" pitchFamily="34" charset="-120"/>
+                <a:ea typeface="微軟正黑體" pitchFamily="34" charset="-120"/>
+              </a:rPr>
+              <a:t>是我的一切</a:t>
+            </a:r>
+            <a:endParaRPr lang="en-US" altLang="zh-TW" sz="6400" b="1" dirty="0">
+              <a:solidFill>
+                <a:srgbClr val="660033"/>
+              </a:solidFill>
+              <a:latin typeface="微軟正黑體" pitchFamily="34" charset="-120"/>
+              <a:ea typeface="微軟正黑體" pitchFamily="34" charset="-120"/>
+            </a:endParaRPr>
+          </a:p>
+        </p:txBody>
+      </p:sp>
+      <p:sp>
+        <p:nvSpPr>
+          <p:cNvPr id="3" name="TextBox 2"/>
+          <p:cNvSpPr txBox="1"/>
+          <p:nvPr/>
+        </p:nvSpPr>
+        <p:spPr>
+          <a:xfrm>
+            <a:off x="0" y="5061182"/>
+            <a:ext cx="12192000" cy="830997"/>
+          </a:xfrm>
+          <a:prstGeom prst="rect">
+            <a:avLst/>
+          </a:prstGeom>
+          <a:noFill/>
+        </p:spPr>
+        <p:txBody>
+          <a:bodyPr wrap="square" rtlCol="0">
+            <a:spAutoFit/>
+          </a:bodyPr>
+          <a:lstStyle/>
+          <a:p>
+            <a:pPr algn="ctr"/>
+            <a:r>
+              <a:rPr lang="en-US" sz="4800" b="1" dirty="0">
+                <a:solidFill>
+                  <a:srgbClr val="660033"/>
+                </a:solidFill>
+                <a:effectLst/>
+              </a:rPr>
+              <a:t>( 2 )</a:t>
+            </a:r>
+            <a:endParaRPr lang="vi-VN" sz="4800" b="1" dirty="0">
+              <a:solidFill>
+                <a:srgbClr val="660033"/>
+              </a:solidFill>
+              <a:effectLst/>
+            </a:endParaRPr>
+          </a:p>
+        </p:txBody>
+      </p:sp>
+    </p:spTree>
+    <p:extLst>
+      <p:ext uri="{BB962C8B-B14F-4D97-AF65-F5344CB8AC3E}">
+        <p14:creationId xmlns:p14="http://schemas.microsoft.com/office/powerpoint/2010/main" val="24937161"/>
+      </p:ext>
+    </p:extLst>
+  </p:cSld>
+  <p:clrMapOvr>
+    <a:masterClrMapping/>
+  </p:clrMapOvr>
+</p:sld>
+</file>
+
+<file path=ppt/slides/slide9.xml><?xml version="1.0" encoding="utf-8"?>
+<p:sld xmlns:a="http://schemas.openxmlformats.org/drawingml/2006/main" xmlns:r="http://schemas.openxmlformats.org/officeDocument/2006/relationships" xmlns:p="http://schemas.openxmlformats.org/presentationml/2006/main">
+  <p:cSld>
+    <p:spTree>
+      <p:nvGrpSpPr>
+        <p:cNvPr id="1" name=""/>
+        <p:cNvGrpSpPr/>
+        <p:nvPr/>
+      </p:nvGrpSpPr>
+      <p:grpSpPr>
+        <a:xfrm>
+          <a:off x="0" y="0"/>
+          <a:ext cx="0" cy="0"/>
+          <a:chOff x="0" y="0"/>
+          <a:chExt cx="0" cy="0"/>
+        </a:xfrm>
+      </p:grpSpPr>
+      <p:sp>
+        <p:nvSpPr>
+          <p:cNvPr id="5" name="內容版面配置區 4"/>
+          <p:cNvSpPr>
+            <a:spLocks noGrp="1"/>
+          </p:cNvSpPr>
+          <p:nvPr>
+            <p:ph idx="1"/>
+          </p:nvPr>
+        </p:nvSpPr>
+        <p:spPr>
+          <a:xfrm>
+            <a:off x="0" y="2084851"/>
+            <a:ext cx="12192000" cy="2404863"/>
+          </a:xfrm>
+        </p:spPr>
+        <p:txBody>
+          <a:bodyPr anchor="ctr">
+            <a:normAutofit/>
+          </a:bodyPr>
+          <a:lstStyle/>
+          <a:p>
+            <a:pPr algn="ctr">
+              <a:buNone/>
+            </a:pPr>
+            <a:r>
+              <a:rPr lang="zh-TW" altLang="en-US" sz="6400" b="1" dirty="0">
+                <a:solidFill>
+                  <a:srgbClr val="660033"/>
+                </a:solidFill>
+                <a:latin typeface="微軟正黑體" pitchFamily="34" charset="-120"/>
+                <a:ea typeface="微軟正黑體" pitchFamily="34" charset="-120"/>
+              </a:rPr>
+              <a:t>當我跌倒</a:t>
+            </a:r>
+            <a:r>
+              <a:rPr lang="zh-CN" altLang="en-US" sz="6400" b="1" dirty="0">
+                <a:solidFill>
+                  <a:srgbClr val="660033"/>
+                </a:solidFill>
+                <a:latin typeface="微軟正黑體" pitchFamily="34" charset="-120"/>
+                <a:ea typeface="微軟正黑體" pitchFamily="34" charset="-120"/>
+              </a:rPr>
+              <a:t>袮</a:t>
+            </a:r>
+            <a:r>
+              <a:rPr lang="zh-TW" altLang="en-US" sz="6400" b="1" dirty="0">
+                <a:solidFill>
+                  <a:srgbClr val="660033"/>
+                </a:solidFill>
+                <a:latin typeface="微軟正黑體" pitchFamily="34" charset="-120"/>
+                <a:ea typeface="微軟正黑體" pitchFamily="34" charset="-120"/>
+              </a:rPr>
+              <a:t>扶持我</a:t>
+            </a:r>
+            <a:endParaRPr lang="en-US" altLang="zh-TW" sz="6400" b="1" dirty="0">
+              <a:solidFill>
+                <a:srgbClr val="660033"/>
+              </a:solidFill>
+              <a:latin typeface="微軟正黑體" pitchFamily="34" charset="-120"/>
+              <a:ea typeface="微軟正黑體" pitchFamily="34" charset="-120"/>
+            </a:endParaRPr>
+          </a:p>
+          <a:p>
+            <a:pPr algn="ctr">
+              <a:buNone/>
+            </a:pPr>
+            <a:r>
+              <a:rPr lang="zh-TW" altLang="en-US" sz="6400" b="1" dirty="0">
+                <a:solidFill>
+                  <a:srgbClr val="660033"/>
+                </a:solidFill>
+                <a:latin typeface="微軟正黑體" pitchFamily="34" charset="-120"/>
+                <a:ea typeface="微軟正黑體" pitchFamily="34" charset="-120"/>
+              </a:rPr>
+              <a:t>當我乾渴</a:t>
+            </a:r>
+            <a:r>
+              <a:rPr lang="zh-CN" altLang="en-US" sz="6400" b="1" dirty="0">
+                <a:solidFill>
+                  <a:srgbClr val="660033"/>
+                </a:solidFill>
+                <a:latin typeface="微軟正黑體" pitchFamily="34" charset="-120"/>
+                <a:ea typeface="微軟正黑體" pitchFamily="34" charset="-120"/>
+              </a:rPr>
+              <a:t>袮</a:t>
+            </a:r>
+            <a:r>
+              <a:rPr lang="zh-TW" altLang="en-US" sz="6400" b="1" dirty="0">
+                <a:solidFill>
+                  <a:srgbClr val="660033"/>
+                </a:solidFill>
+                <a:latin typeface="微軟正黑體" pitchFamily="34" charset="-120"/>
+                <a:ea typeface="微軟正黑體" pitchFamily="34" charset="-120"/>
+              </a:rPr>
+              <a:t>充滿我</a:t>
+            </a:r>
+            <a:endParaRPr lang="en-US" altLang="zh-TW" sz="6400" b="1" dirty="0">
+              <a:solidFill>
+                <a:srgbClr val="660033"/>
+              </a:solidFill>
+              <a:latin typeface="微軟正黑體" pitchFamily="34" charset="-120"/>
+              <a:ea typeface="微軟正黑體" pitchFamily="34" charset="-120"/>
+            </a:endParaRPr>
+          </a:p>
+        </p:txBody>
+      </p:sp>
+      <p:sp>
+        <p:nvSpPr>
+          <p:cNvPr id="3" name="TextBox 2"/>
+          <p:cNvSpPr txBox="1"/>
+          <p:nvPr/>
+        </p:nvSpPr>
+        <p:spPr>
+          <a:xfrm>
+            <a:off x="0" y="5061182"/>
+            <a:ext cx="12192000" cy="830997"/>
+          </a:xfrm>
+          <a:prstGeom prst="rect">
+            <a:avLst/>
+          </a:prstGeom>
+          <a:noFill/>
+        </p:spPr>
+        <p:txBody>
+          <a:bodyPr wrap="square" rtlCol="0">
+            <a:spAutoFit/>
+          </a:bodyPr>
+          <a:lstStyle/>
+          <a:p>
+            <a:pPr algn="ctr"/>
+            <a:r>
+              <a:rPr lang="en-US" sz="4800" b="1" dirty="0">
+                <a:solidFill>
+                  <a:srgbClr val="660033"/>
+                </a:solidFill>
+                <a:effectLst/>
+              </a:rPr>
+              <a:t>( 2 )</a:t>
+            </a:r>
+            <a:endParaRPr lang="vi-VN" sz="4800" b="1" dirty="0">
+              <a:solidFill>
+                <a:srgbClr val="660033"/>
+              </a:solidFill>
+              <a:effectLst/>
+            </a:endParaRPr>
+          </a:p>
+        </p:txBody>
+      </p:sp>
+    </p:spTree>
+    <p:extLst>
+      <p:ext uri="{BB962C8B-B14F-4D97-AF65-F5344CB8AC3E}">
+        <p14:creationId xmlns:p14="http://schemas.microsoft.com/office/powerpoint/2010/main" val="702263353"/>
+      </p:ext>
+    </p:extLst>
+  </p:cSld>
+  <p:clrMapOvr>
+    <a:masterClrMapping/>
+  </p:clrMapOvr>
 </p:sld>
 </file>
 
